--- a/Methodologies_[Alexander]_[Harchenko].pptx
+++ b/Methodologies_[Alexander]_[Harchenko].pptx
@@ -15,8 +15,6 @@
     <p:sldId id="263" r:id="rId9"/>
     <p:sldId id="265" r:id="rId10"/>
     <p:sldId id="267" r:id="rId11"/>
-    <p:sldId id="266" r:id="rId12"/>
-    <p:sldId id="268" r:id="rId13"/>
   </p:sldIdLst>
   <p:sldSz cx="9144000" cy="6858000" type="screen4x3"/>
   <p:notesSz cx="6858000" cy="9144000"/>
@@ -300,7 +298,7 @@
             <a:fld id="{5B106E36-FD25-4E2D-B0AA-010F637433A0}" type="datetimeFigureOut">
               <a:rPr lang="ru-RU" smtClean="0"/>
               <a:pPr/>
-              <a:t>24.05.2019</a:t>
+              <a:t>31.05.2019</a:t>
             </a:fld>
             <a:endParaRPr lang="ru-RU"/>
           </a:p>
@@ -467,7 +465,7 @@
             <a:fld id="{5B106E36-FD25-4E2D-B0AA-010F637433A0}" type="datetimeFigureOut">
               <a:rPr lang="ru-RU" smtClean="0"/>
               <a:pPr/>
-              <a:t>24.05.2019</a:t>
+              <a:t>31.05.2019</a:t>
             </a:fld>
             <a:endParaRPr lang="ru-RU"/>
           </a:p>
@@ -644,7 +642,7 @@
             <a:fld id="{5B106E36-FD25-4E2D-B0AA-010F637433A0}" type="datetimeFigureOut">
               <a:rPr lang="ru-RU" smtClean="0"/>
               <a:pPr/>
-              <a:t>24.05.2019</a:t>
+              <a:t>31.05.2019</a:t>
             </a:fld>
             <a:endParaRPr lang="ru-RU"/>
           </a:p>
@@ -811,7 +809,7 @@
             <a:fld id="{5B106E36-FD25-4E2D-B0AA-010F637433A0}" type="datetimeFigureOut">
               <a:rPr lang="ru-RU" smtClean="0"/>
               <a:pPr/>
-              <a:t>24.05.2019</a:t>
+              <a:t>31.05.2019</a:t>
             </a:fld>
             <a:endParaRPr lang="ru-RU"/>
           </a:p>
@@ -1054,7 +1052,7 @@
             <a:fld id="{5B106E36-FD25-4E2D-B0AA-010F637433A0}" type="datetimeFigureOut">
               <a:rPr lang="ru-RU" smtClean="0"/>
               <a:pPr/>
-              <a:t>24.05.2019</a:t>
+              <a:t>31.05.2019</a:t>
             </a:fld>
             <a:endParaRPr lang="ru-RU"/>
           </a:p>
@@ -1339,7 +1337,7 @@
             <a:fld id="{5B106E36-FD25-4E2D-B0AA-010F637433A0}" type="datetimeFigureOut">
               <a:rPr lang="ru-RU" smtClean="0"/>
               <a:pPr/>
-              <a:t>24.05.2019</a:t>
+              <a:t>31.05.2019</a:t>
             </a:fld>
             <a:endParaRPr lang="ru-RU"/>
           </a:p>
@@ -1758,7 +1756,7 @@
             <a:fld id="{5B106E36-FD25-4E2D-B0AA-010F637433A0}" type="datetimeFigureOut">
               <a:rPr lang="ru-RU" smtClean="0"/>
               <a:pPr/>
-              <a:t>24.05.2019</a:t>
+              <a:t>31.05.2019</a:t>
             </a:fld>
             <a:endParaRPr lang="ru-RU"/>
           </a:p>
@@ -1873,7 +1871,7 @@
             <a:fld id="{5B106E36-FD25-4E2D-B0AA-010F637433A0}" type="datetimeFigureOut">
               <a:rPr lang="ru-RU" smtClean="0"/>
               <a:pPr/>
-              <a:t>24.05.2019</a:t>
+              <a:t>31.05.2019</a:t>
             </a:fld>
             <a:endParaRPr lang="ru-RU"/>
           </a:p>
@@ -1965,7 +1963,7 @@
             <a:fld id="{5B106E36-FD25-4E2D-B0AA-010F637433A0}" type="datetimeFigureOut">
               <a:rPr lang="ru-RU" smtClean="0"/>
               <a:pPr/>
-              <a:t>24.05.2019</a:t>
+              <a:t>31.05.2019</a:t>
             </a:fld>
             <a:endParaRPr lang="ru-RU"/>
           </a:p>
@@ -2239,7 +2237,7 @@
             <a:fld id="{5B106E36-FD25-4E2D-B0AA-010F637433A0}" type="datetimeFigureOut">
               <a:rPr lang="ru-RU" smtClean="0"/>
               <a:pPr/>
-              <a:t>24.05.2019</a:t>
+              <a:t>31.05.2019</a:t>
             </a:fld>
             <a:endParaRPr lang="ru-RU"/>
           </a:p>
@@ -2489,7 +2487,7 @@
             <a:fld id="{5B106E36-FD25-4E2D-B0AA-010F637433A0}" type="datetimeFigureOut">
               <a:rPr lang="ru-RU" smtClean="0"/>
               <a:pPr/>
-              <a:t>24.05.2019</a:t>
+              <a:t>31.05.2019</a:t>
             </a:fld>
             <a:endParaRPr lang="ru-RU"/>
           </a:p>
@@ -2699,7 +2697,7 @@
             <a:fld id="{5B106E36-FD25-4E2D-B0AA-010F637433A0}" type="datetimeFigureOut">
               <a:rPr lang="ru-RU" smtClean="0"/>
               <a:pPr/>
-              <a:t>24.05.2019</a:t>
+              <a:t>31.05.2019</a:t>
             </a:fld>
             <a:endParaRPr lang="ru-RU"/>
           </a:p>
@@ -3080,20 +3078,59 @@
             <p:ph type="ctrTitle"/>
           </p:nvPr>
         </p:nvSpPr>
-        <p:spPr/>
-        <p:txBody>
-          <a:bodyPr/>
-          <a:lstStyle/>
-          <a:p>
-            <a:r>
-              <a:rPr lang="en-US" b="1" dirty="0" smtClean="0"/>
-              <a:t>Waterfall </a:t>
-            </a:r>
-            <a:r>
-              <a:rPr lang="en-US" b="1" dirty="0" smtClean="0"/>
-              <a:t>model</a:t>
-            </a:r>
-            <a:endParaRPr lang="ru-RU" b="1" dirty="0"/>
+        <p:spPr>
+          <a:xfrm>
+            <a:off x="428596" y="500042"/>
+            <a:ext cx="7772400" cy="1470025"/>
+          </a:xfrm>
+        </p:spPr>
+        <p:txBody>
+          <a:bodyPr>
+            <a:normAutofit fontScale="90000"/>
+          </a:bodyPr>
+          <a:lstStyle/>
+          <a:p>
+            <a:r>
+              <a:rPr lang="en-US" dirty="0" smtClean="0">
+                <a:solidFill>
+                  <a:srgbClr val="00B050"/>
+                </a:solidFill>
+                <a:latin typeface="Bahnschrift SemiLight Condensed" pitchFamily="34" charset="0"/>
+                <a:cs typeface="Lucida Sans Unicode" pitchFamily="34" charset="0"/>
+              </a:rPr>
+              <a:t>~ Presentation ~</a:t>
+            </a:r>
+            <a:br>
+              <a:rPr lang="en-US" dirty="0" smtClean="0">
+                <a:solidFill>
+                  <a:srgbClr val="00B050"/>
+                </a:solidFill>
+                <a:latin typeface="Bahnschrift SemiLight Condensed" pitchFamily="34" charset="0"/>
+                <a:cs typeface="Lucida Sans Unicode" pitchFamily="34" charset="0"/>
+              </a:rPr>
+            </a:br>
+            <a:r>
+              <a:rPr lang="en-US" sz="2700" dirty="0" smtClean="0">
+                <a:solidFill>
+                  <a:srgbClr val="00B050"/>
+                </a:solidFill>
+                <a:latin typeface="Bahnschrift Light Condensed" pitchFamily="34" charset="0"/>
+              </a:rPr>
+              <a:t>SDLC (Software Development Life Cycle)</a:t>
+            </a:r>
+            <a:r>
+              <a:rPr lang="ru-RU" dirty="0" smtClean="0"/>
+              <a:t/>
+            </a:r>
+            <a:br>
+              <a:rPr lang="ru-RU" dirty="0" smtClean="0"/>
+            </a:br>
+            <a:endParaRPr lang="ru-RU" b="1" dirty="0">
+              <a:solidFill>
+                <a:srgbClr val="00B050"/>
+              </a:solidFill>
+              <a:latin typeface="Bahnschrift SemiLight Condensed" pitchFamily="34" charset="0"/>
+            </a:endParaRPr>
           </a:p>
         </p:txBody>
       </p:sp>
@@ -3107,35 +3144,119 @@
             <p:ph type="subTitle" idx="1"/>
           </p:nvPr>
         </p:nvSpPr>
-        <p:spPr/>
-        <p:txBody>
-          <a:bodyPr/>
-          <a:lstStyle/>
-          <a:p>
-            <a:r>
-              <a:rPr lang="en-US" dirty="0" smtClean="0"/>
-              <a:t>Advantages</a:t>
-            </a:r>
-            <a:r>
-              <a:rPr lang="ru-RU" dirty="0" smtClean="0"/>
+        <p:spPr>
+          <a:xfrm>
+            <a:off x="1371600" y="1928802"/>
+            <a:ext cx="6400800" cy="3709998"/>
+          </a:xfrm>
+        </p:spPr>
+        <p:txBody>
+          <a:bodyPr>
+            <a:normAutofit/>
+          </a:bodyPr>
+          <a:lstStyle/>
+          <a:p>
+            <a:pPr algn="just" fontAlgn="t"/>
+            <a:r>
+              <a:rPr lang="en-US" sz="2000" dirty="0" smtClean="0">
+                <a:latin typeface="Lucida Sans Unicode" pitchFamily="34" charset="0"/>
+                <a:cs typeface="Lucida Sans Unicode" pitchFamily="34" charset="0"/>
+              </a:rPr>
+              <a:t>Hello!</a:t>
+            </a:r>
+          </a:p>
+          <a:p>
+            <a:pPr algn="just" fontAlgn="t"/>
+            <a:r>
+              <a:rPr lang="en-US" sz="2000" dirty="0" smtClean="0">
+                <a:latin typeface="Lucida Sans Unicode" pitchFamily="34" charset="0"/>
+                <a:cs typeface="Lucida Sans Unicode" pitchFamily="34" charset="0"/>
+              </a:rPr>
+              <a:t>In this presentation, you know the difference between Waterfall, Agile,</a:t>
+            </a:r>
+            <a:r>
+              <a:rPr lang="en-US" sz="2000" b="1" dirty="0" smtClean="0"/>
               <a:t> </a:t>
             </a:r>
             <a:r>
-              <a:rPr lang="en-US" dirty="0" err="1" smtClean="0"/>
-              <a:t>vs</a:t>
-            </a:r>
-            <a:r>
-              <a:rPr lang="en-US" dirty="0" smtClean="0"/>
-              <a:t> </a:t>
-            </a:r>
-            <a:r>
-              <a:rPr lang="en-US" dirty="0" smtClean="0"/>
-              <a:t>Limitations</a:t>
-            </a:r>
-            <a:endParaRPr lang="ru-RU" dirty="0"/>
-          </a:p>
-        </p:txBody>
-      </p:sp>
+              <a:rPr lang="en-US" sz="2000" dirty="0" smtClean="0">
+                <a:latin typeface="Lucida Sans Unicode" pitchFamily="34" charset="0"/>
+                <a:cs typeface="Lucida Sans Unicode" pitchFamily="34" charset="0"/>
+              </a:rPr>
+              <a:t>Spiral</a:t>
+            </a:r>
+            <a:r>
+              <a:rPr lang="ru-RU" sz="2000" dirty="0" smtClean="0">
+                <a:latin typeface="Lucida Sans Unicode" pitchFamily="34" charset="0"/>
+                <a:cs typeface="Lucida Sans Unicode" pitchFamily="34" charset="0"/>
+              </a:rPr>
+              <a:t>, </a:t>
+            </a:r>
+            <a:r>
+              <a:rPr lang="en-US" sz="2000" dirty="0" smtClean="0">
+                <a:latin typeface="Lucida Sans Unicode" pitchFamily="34" charset="0"/>
+                <a:cs typeface="Lucida Sans Unicode" pitchFamily="34" charset="0"/>
+              </a:rPr>
+              <a:t>and V-Model software development. For each method, you learn what happens at each stage, the pros and cons, and finally, which method is better. </a:t>
+            </a:r>
+          </a:p>
+          <a:p>
+            <a:pPr algn="just" fontAlgn="t"/>
+            <a:r>
+              <a:rPr lang="en-US" sz="2000" dirty="0" smtClean="0">
+                <a:latin typeface="Lucida Sans Unicode" pitchFamily="34" charset="0"/>
+                <a:cs typeface="Lucida Sans Unicode" pitchFamily="34" charset="0"/>
+              </a:rPr>
+              <a:t>Let's start!</a:t>
+            </a:r>
+          </a:p>
+          <a:p>
+            <a:pPr algn="just" fontAlgn="t"/>
+            <a:endParaRPr lang="en-US" sz="2000" dirty="0" smtClean="0">
+              <a:latin typeface="Lucida Sans Unicode" pitchFamily="34" charset="0"/>
+              <a:cs typeface="Lucida Sans Unicode" pitchFamily="34" charset="0"/>
+            </a:endParaRPr>
+          </a:p>
+          <a:p>
+            <a:pPr algn="l" fontAlgn="t"/>
+            <a:r>
+              <a:rPr lang="en-US" sz="1800" dirty="0" smtClean="0">
+                <a:latin typeface="Bahnschrift SemiLight Condensed" pitchFamily="34" charset="0"/>
+                <a:cs typeface="Lucida Sans Unicode" pitchFamily="34" charset="0"/>
+              </a:rPr>
+              <a:t>But first, a little about each model ...</a:t>
+            </a:r>
+            <a:endParaRPr lang="ru-RU" sz="1800" dirty="0">
+              <a:latin typeface="Bahnschrift SemiLight Condensed" pitchFamily="34" charset="0"/>
+              <a:cs typeface="Lucida Sans Unicode" pitchFamily="34" charset="0"/>
+            </a:endParaRPr>
+          </a:p>
+        </p:txBody>
+      </p:sp>
+      <p:pic>
+        <p:nvPicPr>
+          <p:cNvPr id="4" name="Рисунок 3" descr="Image.jpg"/>
+          <p:cNvPicPr>
+            <a:picLocks noChangeAspect="1"/>
+          </p:cNvPicPr>
+          <p:nvPr/>
+        </p:nvPicPr>
+        <p:blipFill>
+          <a:blip r:embed="rId2"/>
+          <a:stretch>
+            <a:fillRect/>
+          </a:stretch>
+        </p:blipFill>
+        <p:spPr>
+          <a:xfrm>
+            <a:off x="6429388" y="4143380"/>
+            <a:ext cx="1571636" cy="1634863"/>
+          </a:xfrm>
+          <a:prstGeom prst="rect">
+            <a:avLst/>
+          </a:prstGeom>
+        </p:spPr>
+      </p:pic>
     </p:spTree>
   </p:cSld>
   <p:clrMapOvr>
@@ -3171,16 +3292,116 @@
             <p:ph type="ctrTitle"/>
           </p:nvPr>
         </p:nvSpPr>
-        <p:spPr/>
-        <p:txBody>
-          <a:bodyPr/>
-          <a:lstStyle/>
-          <a:p>
-            <a:r>
-              <a:rPr lang="ru-RU" b="1" dirty="0" err="1" smtClean="0"/>
-              <a:t>V-Model</a:t>
-            </a:r>
-            <a:endParaRPr lang="ru-RU" b="1" dirty="0"/>
+        <p:spPr>
+          <a:xfrm>
+            <a:off x="785786" y="1285860"/>
+            <a:ext cx="7772400" cy="1500197"/>
+          </a:xfrm>
+        </p:spPr>
+        <p:txBody>
+          <a:bodyPr>
+            <a:noAutofit/>
+          </a:bodyPr>
+          <a:lstStyle/>
+          <a:p>
+            <a:r>
+              <a:rPr lang="en-US" sz="2800" b="1" dirty="0" smtClean="0">
+                <a:solidFill>
+                  <a:srgbClr val="00B050"/>
+                </a:solidFill>
+                <a:latin typeface="Lucida Sans Unicode" pitchFamily="34" charset="0"/>
+                <a:cs typeface="Lucida Sans Unicode" pitchFamily="34" charset="0"/>
+              </a:rPr>
+              <a:t>And so my friend now you know all the pros and cons of SDLC (Software Development Life Cycle)</a:t>
+            </a:r>
+            <a:r>
+              <a:rPr lang="ru-RU" sz="2800" b="1" dirty="0" smtClean="0">
+                <a:solidFill>
+                  <a:srgbClr val="00B050"/>
+                </a:solidFill>
+                <a:latin typeface="Lucida Sans Unicode" pitchFamily="34" charset="0"/>
+                <a:cs typeface="Lucida Sans Unicode" pitchFamily="34" charset="0"/>
+              </a:rPr>
+              <a:t/>
+            </a:r>
+            <a:br>
+              <a:rPr lang="ru-RU" sz="2800" b="1" dirty="0" smtClean="0">
+                <a:solidFill>
+                  <a:srgbClr val="00B050"/>
+                </a:solidFill>
+                <a:latin typeface="Lucida Sans Unicode" pitchFamily="34" charset="0"/>
+                <a:cs typeface="Lucida Sans Unicode" pitchFamily="34" charset="0"/>
+              </a:rPr>
+            </a:br>
+            <a:r>
+              <a:rPr lang="en-US" sz="2800" b="1" dirty="0" smtClean="0">
+                <a:solidFill>
+                  <a:srgbClr val="00B050"/>
+                </a:solidFill>
+                <a:latin typeface="Lucida Sans Unicode" pitchFamily="34" charset="0"/>
+                <a:cs typeface="Lucida Sans Unicode" pitchFamily="34" charset="0"/>
+              </a:rPr>
+              <a:t/>
+            </a:r>
+            <a:br>
+              <a:rPr lang="en-US" sz="2800" b="1" dirty="0" smtClean="0">
+                <a:solidFill>
+                  <a:srgbClr val="00B050"/>
+                </a:solidFill>
+                <a:latin typeface="Lucida Sans Unicode" pitchFamily="34" charset="0"/>
+                <a:cs typeface="Lucida Sans Unicode" pitchFamily="34" charset="0"/>
+              </a:rPr>
+            </a:br>
+            <a:r>
+              <a:rPr lang="en-US" sz="2800" b="1" dirty="0" smtClean="0">
+                <a:solidFill>
+                  <a:srgbClr val="00B050"/>
+                </a:solidFill>
+                <a:latin typeface="Lucida Sans Unicode" pitchFamily="34" charset="0"/>
+                <a:cs typeface="Lucida Sans Unicode" pitchFamily="34" charset="0"/>
+              </a:rPr>
+              <a:t>I wish you a good swimming!</a:t>
+            </a:r>
+            <a:r>
+              <a:rPr lang="en-US" sz="2800" b="1" dirty="0" smtClean="0">
+                <a:solidFill>
+                  <a:srgbClr val="00B050"/>
+                </a:solidFill>
+                <a:latin typeface="Bahnschrift SemiLight Condensed" pitchFamily="34" charset="0"/>
+              </a:rPr>
+              <a:t/>
+            </a:r>
+            <a:br>
+              <a:rPr lang="en-US" sz="2800" b="1" dirty="0" smtClean="0">
+                <a:solidFill>
+                  <a:srgbClr val="00B050"/>
+                </a:solidFill>
+                <a:latin typeface="Bahnschrift SemiLight Condensed" pitchFamily="34" charset="0"/>
+              </a:rPr>
+            </a:br>
+            <a:r>
+              <a:rPr lang="en-US" sz="2800" b="1" dirty="0" smtClean="0">
+                <a:solidFill>
+                  <a:srgbClr val="00B050"/>
+                </a:solidFill>
+                <a:latin typeface="Bahnschrift SemiLight Condensed" pitchFamily="34" charset="0"/>
+              </a:rPr>
+              <a:t/>
+            </a:r>
+            <a:br>
+              <a:rPr lang="en-US" sz="2800" b="1" dirty="0" smtClean="0">
+                <a:solidFill>
+                  <a:srgbClr val="00B050"/>
+                </a:solidFill>
+                <a:latin typeface="Bahnschrift SemiLight Condensed" pitchFamily="34" charset="0"/>
+              </a:rPr>
+            </a:br>
+            <a:endParaRPr lang="ru-RU" sz="2800" b="1" dirty="0">
+              <a:solidFill>
+                <a:srgbClr val="00B050"/>
+              </a:solidFill>
+              <a:latin typeface="Bahnschrift SemiLight Condensed" pitchFamily="34" charset="0"/>
+            </a:endParaRPr>
           </a:p>
         </p:txBody>
       </p:sp>
@@ -3194,98 +3415,12 @@
             <p:ph type="subTitle" idx="1"/>
           </p:nvPr>
         </p:nvSpPr>
-        <p:spPr/>
-        <p:txBody>
-          <a:bodyPr/>
-          <a:lstStyle/>
-          <a:p>
-            <a:r>
-              <a:rPr lang="en-US" dirty="0" smtClean="0"/>
-              <a:t>Advantages</a:t>
-            </a:r>
-            <a:r>
-              <a:rPr lang="ru-RU" dirty="0" smtClean="0"/>
-              <a:t> </a:t>
-            </a:r>
-            <a:r>
-              <a:rPr lang="en-US" dirty="0" err="1" smtClean="0"/>
-              <a:t>vs</a:t>
-            </a:r>
-            <a:r>
-              <a:rPr lang="en-US" dirty="0" smtClean="0"/>
-              <a:t> </a:t>
-            </a:r>
-            <a:r>
-              <a:rPr lang="en-US" dirty="0" smtClean="0"/>
-              <a:t>Limitations</a:t>
-            </a:r>
-            <a:endParaRPr lang="ru-RU" dirty="0"/>
-          </a:p>
-        </p:txBody>
-      </p:sp>
-    </p:spTree>
-  </p:cSld>
-  <p:clrMapOvr>
-    <a:masterClrMapping/>
-  </p:clrMapOvr>
-</p:sld>
-</file>
-
-<file path=ppt/slides/slide11.xml><?xml version="1.0" encoding="utf-8"?>
-<p:sld xmlns:a="http://schemas.openxmlformats.org/drawingml/2006/main" xmlns:r="http://schemas.openxmlformats.org/officeDocument/2006/relationships" xmlns:p="http://schemas.openxmlformats.org/presentationml/2006/main">
-  <p:cSld>
-    <p:spTree>
-      <p:nvGrpSpPr>
-        <p:cNvPr id="1" name=""/>
-        <p:cNvGrpSpPr/>
-        <p:nvPr/>
-      </p:nvGrpSpPr>
-      <p:grpSpPr>
-        <a:xfrm>
-          <a:off x="0" y="0"/>
-          <a:ext cx="0" cy="0"/>
-          <a:chOff x="0" y="0"/>
-          <a:chExt cx="0" cy="0"/>
-        </a:xfrm>
-      </p:grpSpPr>
-      <p:sp>
-        <p:nvSpPr>
-          <p:cNvPr id="2" name="Заголовок 1"/>
-          <p:cNvSpPr>
-            <a:spLocks noGrp="1"/>
-          </p:cNvSpPr>
-          <p:nvPr>
-            <p:ph type="title"/>
-          </p:nvPr>
-        </p:nvSpPr>
-        <p:spPr/>
-        <p:txBody>
-          <a:bodyPr/>
-          <a:lstStyle/>
-          <a:p>
-            <a:r>
-              <a:rPr lang="en-US" dirty="0" smtClean="0"/>
-              <a:t>Advantages - </a:t>
-            </a:r>
-            <a:r>
-              <a:rPr lang="ru-RU" b="1" dirty="0" err="1" smtClean="0"/>
-              <a:t>V-Model</a:t>
-            </a:r>
-            <a:endParaRPr lang="ru-RU" dirty="0"/>
-          </a:p>
-        </p:txBody>
-      </p:sp>
-      <p:sp>
-        <p:nvSpPr>
-          <p:cNvPr id="3" name="Содержимое 2"/>
-          <p:cNvSpPr>
-            <a:spLocks noGrp="1"/>
-          </p:cNvSpPr>
-          <p:nvPr>
-            <p:ph idx="1"/>
-          </p:nvPr>
-        </p:nvSpPr>
-        <p:spPr/>
+        <p:spPr>
+          <a:xfrm>
+            <a:off x="1500166" y="2928934"/>
+            <a:ext cx="6400800" cy="1752600"/>
+          </a:xfrm>
+        </p:spPr>
         <p:txBody>
           <a:bodyPr>
             <a:normAutofit/>
@@ -3293,211 +3428,53 @@
           <a:lstStyle/>
           <a:p>
             <a:r>
-              <a:rPr lang="en-US" sz="2000" dirty="0" smtClean="0"/>
-              <a:t>planning for the early stages of developing a testing system</a:t>
-            </a:r>
-            <a:r>
-              <a:rPr lang="en-US" sz="2000" dirty="0" smtClean="0"/>
-              <a:t>;</a:t>
-            </a:r>
-            <a:endParaRPr lang="en-US" sz="2000" dirty="0" smtClean="0"/>
-          </a:p>
-          <a:p>
-            <a:r>
-              <a:rPr lang="en-US" sz="2000" dirty="0" smtClean="0"/>
-              <a:t>ensuring certification and verification of all intermediate results of development</a:t>
-            </a:r>
-            <a:r>
-              <a:rPr lang="en-US" sz="2000" dirty="0" smtClean="0"/>
-              <a:t>;</a:t>
-            </a:r>
-            <a:endParaRPr lang="en-US" sz="2000" dirty="0" smtClean="0"/>
-          </a:p>
-          <a:p>
-            <a:r>
-              <a:rPr lang="en-US" sz="2000" dirty="0" smtClean="0"/>
-              <a:t>simplification (compared to the cascade model) of tracking the development process, the possibility of more realistic use of the project schedule</a:t>
-            </a:r>
-            <a:r>
-              <a:rPr lang="en-US" sz="2000" dirty="0" smtClean="0"/>
-              <a:t>;</a:t>
-            </a:r>
-            <a:endParaRPr lang="en-US" sz="2000" dirty="0" smtClean="0"/>
-          </a:p>
-          <a:p>
-            <a:r>
-              <a:rPr lang="en-US" sz="2000" dirty="0" smtClean="0"/>
-              <a:t>ease of use.</a:t>
-            </a:r>
-            <a:endParaRPr lang="ru-RU" sz="2000" dirty="0"/>
-          </a:p>
-        </p:txBody>
-      </p:sp>
-    </p:spTree>
-  </p:cSld>
-  <p:clrMapOvr>
-    <a:masterClrMapping/>
-  </p:clrMapOvr>
-</p:sld>
-</file>
-
-<file path=ppt/slides/slide12.xml><?xml version="1.0" encoding="utf-8"?>
-<p:sld xmlns:a="http://schemas.openxmlformats.org/drawingml/2006/main" xmlns:r="http://schemas.openxmlformats.org/officeDocument/2006/relationships" xmlns:p="http://schemas.openxmlformats.org/presentationml/2006/main">
-  <p:cSld>
-    <p:spTree>
-      <p:nvGrpSpPr>
-        <p:cNvPr id="1" name=""/>
-        <p:cNvGrpSpPr/>
-        <p:nvPr/>
-      </p:nvGrpSpPr>
-      <p:grpSpPr>
-        <a:xfrm>
-          <a:off x="0" y="0"/>
-          <a:ext cx="0" cy="0"/>
-          <a:chOff x="0" y="0"/>
-          <a:chExt cx="0" cy="0"/>
-        </a:xfrm>
-      </p:grpSpPr>
-      <p:sp>
-        <p:nvSpPr>
-          <p:cNvPr id="2" name="Заголовок 1"/>
-          <p:cNvSpPr>
-            <a:spLocks noGrp="1"/>
-          </p:cNvSpPr>
-          <p:nvPr>
-            <p:ph type="title"/>
-          </p:nvPr>
-        </p:nvSpPr>
-        <p:spPr/>
-        <p:txBody>
-          <a:bodyPr/>
-          <a:lstStyle/>
-          <a:p>
-            <a:r>
-              <a:rPr lang="en-US" dirty="0" smtClean="0"/>
-              <a:t>Limitations - </a:t>
-            </a:r>
-            <a:r>
-              <a:rPr lang="ru-RU" b="1" dirty="0" err="1" smtClean="0"/>
-              <a:t>V-Model</a:t>
-            </a:r>
-            <a:endParaRPr lang="ru-RU" dirty="0"/>
-          </a:p>
-        </p:txBody>
-      </p:sp>
-      <p:sp>
-        <p:nvSpPr>
-          <p:cNvPr id="3" name="Содержимое 2"/>
-          <p:cNvSpPr>
-            <a:spLocks noGrp="1"/>
-          </p:cNvSpPr>
-          <p:nvPr>
-            <p:ph idx="1"/>
-          </p:nvPr>
-        </p:nvSpPr>
-        <p:spPr/>
-        <p:txBody>
-          <a:bodyPr>
-            <a:normAutofit fontScale="62500" lnSpcReduction="20000"/>
-          </a:bodyPr>
-          <a:lstStyle/>
-          <a:p>
-            <a:r>
-              <a:rPr lang="en-US" dirty="0" smtClean="0"/>
-              <a:t>high cost of the model due to the cost and additional time spent on planning, setting goals, performing risk analysis and prototyping during the passage of each spiral cycle</a:t>
-            </a:r>
-            <a:r>
-              <a:rPr lang="en-US" dirty="0" smtClean="0"/>
-              <a:t>;</a:t>
-            </a:r>
-            <a:endParaRPr lang="en-US" dirty="0" smtClean="0"/>
-          </a:p>
-          <a:p>
-            <a:r>
-              <a:rPr lang="en-US" dirty="0" smtClean="0"/>
-              <a:t>unreasonably high cost model for projects with low risk or small size</a:t>
-            </a:r>
-            <a:r>
-              <a:rPr lang="en-US" dirty="0" smtClean="0"/>
-              <a:t>;</a:t>
-            </a:r>
-            <a:endParaRPr lang="en-US" dirty="0" smtClean="0"/>
-          </a:p>
-          <a:p>
-            <a:r>
-              <a:rPr lang="en-US" dirty="0" smtClean="0"/>
-              <a:t>the complexity of the model structure, which leads to the complexity of its use by developers, managers and customers</a:t>
-            </a:r>
-            <a:r>
-              <a:rPr lang="en-US" dirty="0" smtClean="0"/>
-              <a:t>;</a:t>
-            </a:r>
-            <a:endParaRPr lang="en-US" dirty="0" smtClean="0"/>
-          </a:p>
-          <a:p>
-            <a:r>
-              <a:rPr lang="en-US" dirty="0" smtClean="0"/>
-              <a:t>the need for highly professional knowledge for risk assessment</a:t>
-            </a:r>
-            <a:r>
-              <a:rPr lang="en-US" dirty="0" smtClean="0"/>
-              <a:t>;</a:t>
-            </a:r>
-            <a:endParaRPr lang="en-US" dirty="0" smtClean="0"/>
-          </a:p>
-          <a:p>
-            <a:r>
-              <a:rPr lang="en-US" dirty="0" smtClean="0"/>
-              <a:t>the possibility of postponing the completion of the project due to the desire of the customer to improve each version created</a:t>
-            </a:r>
-            <a:r>
-              <a:rPr lang="en-US" dirty="0" smtClean="0"/>
-              <a:t>;</a:t>
-            </a:r>
-            <a:endParaRPr lang="en-US" dirty="0" smtClean="0"/>
-          </a:p>
-          <a:p>
-            <a:r>
-              <a:rPr lang="en-US" dirty="0" smtClean="0"/>
-              <a:t>the need for processing additional documentation due to the large number of intermediate cycles</a:t>
-            </a:r>
-            <a:r>
-              <a:rPr lang="en-US" dirty="0" smtClean="0"/>
-              <a:t>;</a:t>
-            </a:r>
-            <a:endParaRPr lang="en-US" dirty="0" smtClean="0"/>
-          </a:p>
-          <a:p>
-            <a:r>
-              <a:rPr lang="en-US" dirty="0" smtClean="0"/>
-              <a:t>the need for a clear distribution of work among developers</a:t>
-            </a:r>
-            <a:r>
-              <a:rPr lang="en-US" dirty="0" smtClean="0"/>
-              <a:t>;</a:t>
-            </a:r>
-            <a:endParaRPr lang="en-US" dirty="0" smtClean="0"/>
-          </a:p>
-          <a:p>
-            <a:r>
-              <a:rPr lang="en-US" dirty="0" smtClean="0"/>
-              <a:t>the difficulty of defining criteria for continuing the development process at the next iteration</a:t>
-            </a:r>
-            <a:r>
-              <a:rPr lang="en-US" dirty="0" smtClean="0"/>
-              <a:t>;</a:t>
-            </a:r>
-            <a:endParaRPr lang="en-US" dirty="0" smtClean="0"/>
-          </a:p>
-          <a:p>
-            <a:r>
-              <a:rPr lang="en-US" dirty="0" smtClean="0"/>
-              <a:t>the need for powerful tools and prototyping techniques.</a:t>
-            </a:r>
-            <a:endParaRPr lang="ru-RU" dirty="0"/>
-          </a:p>
-        </p:txBody>
-      </p:sp>
+              <a:rPr lang="en-US" sz="1400" b="1" dirty="0" smtClean="0">
+                <a:solidFill>
+                  <a:schemeClr val="bg1">
+                    <a:lumMod val="50000"/>
+                  </a:schemeClr>
+                </a:solidFill>
+                <a:latin typeface="Lucida Sans Unicode" pitchFamily="34" charset="0"/>
+                <a:cs typeface="Lucida Sans Unicode" pitchFamily="34" charset="0"/>
+              </a:rPr>
+              <a:t>And yes, click on the "save" button more often…</a:t>
+            </a:r>
+            <a:endParaRPr lang="ru-RU" sz="1400" dirty="0">
+              <a:solidFill>
+                <a:schemeClr val="bg1">
+                  <a:lumMod val="50000"/>
+                </a:schemeClr>
+              </a:solidFill>
+              <a:latin typeface="Lucida Sans Unicode" pitchFamily="34" charset="0"/>
+              <a:cs typeface="Lucida Sans Unicode" pitchFamily="34" charset="0"/>
+            </a:endParaRPr>
+          </a:p>
+        </p:txBody>
+      </p:sp>
+      <p:pic>
+        <p:nvPicPr>
+          <p:cNvPr id="4" name="Рисунок 3" descr="Image [10].jpg"/>
+          <p:cNvPicPr>
+            <a:picLocks noChangeAspect="1"/>
+          </p:cNvPicPr>
+          <p:nvPr/>
+        </p:nvPicPr>
+        <p:blipFill>
+          <a:blip r:embed="rId2"/>
+          <a:stretch>
+            <a:fillRect/>
+          </a:stretch>
+        </p:blipFill>
+        <p:spPr>
+          <a:xfrm>
+            <a:off x="4000496" y="3643314"/>
+            <a:ext cx="1581150" cy="1685925"/>
+          </a:xfrm>
+          <a:prstGeom prst="rect">
+            <a:avLst/>
+          </a:prstGeom>
+        </p:spPr>
+      </p:pic>
     </p:spTree>
   </p:cSld>
   <p:clrMapOvr>
@@ -3539,79 +3516,274 @@
           <a:lstStyle/>
           <a:p>
             <a:r>
-              <a:rPr lang="en-US" dirty="0" smtClean="0"/>
-              <a:t>Advantages - </a:t>
-            </a:r>
-            <a:r>
-              <a:rPr lang="en-US" b="1" dirty="0" smtClean="0"/>
-              <a:t>Waterfall </a:t>
-            </a:r>
-            <a:r>
-              <a:rPr lang="en-US" b="1" dirty="0" smtClean="0"/>
-              <a:t>model</a:t>
-            </a:r>
-            <a:endParaRPr lang="ru-RU" b="1" dirty="0"/>
-          </a:p>
-        </p:txBody>
-      </p:sp>
-      <p:sp>
-        <p:nvSpPr>
-          <p:cNvPr id="3" name="Содержимое 2"/>
-          <p:cNvSpPr>
-            <a:spLocks noGrp="1"/>
-          </p:cNvSpPr>
+              <a:rPr lang="en-US" dirty="0" smtClean="0">
+                <a:solidFill>
+                  <a:srgbClr val="00B050"/>
+                </a:solidFill>
+                <a:latin typeface="Bahnschrift SemiLight Condensed" pitchFamily="34" charset="0"/>
+              </a:rPr>
+              <a:t>~ Waterfall ~</a:t>
+            </a:r>
+            <a:endParaRPr lang="ru-RU" dirty="0">
+              <a:solidFill>
+                <a:srgbClr val="00B050"/>
+              </a:solidFill>
+              <a:latin typeface="Bahnschrift SemiLight Condensed" pitchFamily="34" charset="0"/>
+            </a:endParaRPr>
+          </a:p>
+        </p:txBody>
+      </p:sp>
+      <p:pic>
+        <p:nvPicPr>
+          <p:cNvPr id="4" name="Содержимое 3" descr="Image [2].jpg"/>
+          <p:cNvPicPr>
+            <a:picLocks noGrp="1" noChangeAspect="1"/>
+          </p:cNvPicPr>
           <p:nvPr>
             <p:ph idx="1"/>
           </p:nvPr>
-        </p:nvSpPr>
-        <p:spPr/>
+        </p:nvPicPr>
+        <p:blipFill>
+          <a:blip r:embed="rId2"/>
+          <a:stretch>
+            <a:fillRect/>
+          </a:stretch>
+        </p:blipFill>
+        <p:spPr>
+          <a:xfrm>
+            <a:off x="571472" y="214290"/>
+            <a:ext cx="1504950" cy="1562100"/>
+          </a:xfrm>
+        </p:spPr>
+      </p:pic>
+      <p:pic>
+        <p:nvPicPr>
+          <p:cNvPr id="5" name="Рисунок 4" descr="052615_1232_WhatisSDLCo1.png"/>
+          <p:cNvPicPr>
+            <a:picLocks noChangeAspect="1"/>
+          </p:cNvPicPr>
+          <p:nvPr/>
+        </p:nvPicPr>
+        <p:blipFill>
+          <a:blip r:embed="rId3"/>
+          <a:stretch>
+            <a:fillRect/>
+          </a:stretch>
+        </p:blipFill>
+        <p:spPr>
+          <a:xfrm>
+            <a:off x="285720" y="2857496"/>
+            <a:ext cx="3459838" cy="2757058"/>
+          </a:xfrm>
+          <a:prstGeom prst="rect">
+            <a:avLst/>
+          </a:prstGeom>
+        </p:spPr>
+      </p:pic>
+      <p:pic>
+        <p:nvPicPr>
+          <p:cNvPr id="6" name="Рисунок 5" descr="how-to-draw-a-waterfall-pinterest.png"/>
+          <p:cNvPicPr>
+            <a:picLocks noChangeAspect="1"/>
+          </p:cNvPicPr>
+          <p:nvPr/>
+        </p:nvPicPr>
+        <p:blipFill>
+          <a:blip r:embed="rId4"/>
+          <a:stretch>
+            <a:fillRect/>
+          </a:stretch>
+        </p:blipFill>
+        <p:spPr>
+          <a:xfrm>
+            <a:off x="6143636" y="1142984"/>
+            <a:ext cx="2549330" cy="2366629"/>
+          </a:xfrm>
+          <a:prstGeom prst="rect">
+            <a:avLst/>
+          </a:prstGeom>
+        </p:spPr>
+      </p:pic>
+      <p:sp>
+        <p:nvSpPr>
+          <p:cNvPr id="7" name="Прямоугольник 6"/>
+          <p:cNvSpPr/>
+          <p:nvPr/>
+        </p:nvSpPr>
+        <p:spPr>
+          <a:xfrm>
+            <a:off x="428596" y="1928802"/>
+            <a:ext cx="5857916" cy="1015663"/>
+          </a:xfrm>
+          <a:prstGeom prst="rect">
+            <a:avLst/>
+          </a:prstGeom>
+        </p:spPr>
+        <p:txBody>
+          <a:bodyPr wrap="square">
+            <a:spAutoFit/>
+          </a:bodyPr>
+          <a:lstStyle/>
+          <a:p>
+            <a:r>
+              <a:rPr lang="ru-RU" sz="2000" dirty="0" smtClean="0">
+                <a:solidFill>
+                  <a:schemeClr val="bg1">
+                    <a:lumMod val="50000"/>
+                  </a:schemeClr>
+                </a:solidFill>
+                <a:latin typeface="Lucida Sans Unicode" pitchFamily="34" charset="0"/>
+                <a:cs typeface="Lucida Sans Unicode" pitchFamily="34" charset="0"/>
+              </a:rPr>
+              <a:t>- </a:t>
+            </a:r>
+            <a:r>
+              <a:rPr lang="en-US" sz="2000" dirty="0" smtClean="0">
+                <a:solidFill>
+                  <a:schemeClr val="bg1">
+                    <a:lumMod val="50000"/>
+                  </a:schemeClr>
+                </a:solidFill>
+                <a:latin typeface="Lucida Sans Unicode" pitchFamily="34" charset="0"/>
+                <a:cs typeface="Lucida Sans Unicode" pitchFamily="34" charset="0"/>
+              </a:rPr>
+              <a:t>The waterfall was the first model that was presented. This is a software development life cycle</a:t>
+            </a:r>
+            <a:r>
+              <a:rPr lang="ru-RU" sz="2000" dirty="0" smtClean="0">
+                <a:solidFill>
+                  <a:schemeClr val="bg1">
+                    <a:lumMod val="50000"/>
+                  </a:schemeClr>
+                </a:solidFill>
+                <a:latin typeface="Lucida Sans Unicode" pitchFamily="34" charset="0"/>
+                <a:cs typeface="Lucida Sans Unicode" pitchFamily="34" charset="0"/>
+              </a:rPr>
+              <a:t> (</a:t>
+            </a:r>
+            <a:r>
+              <a:rPr lang="en-US" sz="2000" dirty="0" smtClean="0">
+                <a:solidFill>
+                  <a:schemeClr val="bg1">
+                    <a:lumMod val="50000"/>
+                  </a:schemeClr>
+                </a:solidFill>
+                <a:latin typeface="Lucida Sans Unicode" pitchFamily="34" charset="0"/>
+                <a:cs typeface="Lucida Sans Unicode" pitchFamily="34" charset="0"/>
+              </a:rPr>
+              <a:t>SDLC).</a:t>
+            </a:r>
+            <a:endParaRPr lang="ru-RU" sz="2000" dirty="0">
+              <a:solidFill>
+                <a:schemeClr val="bg1">
+                  <a:lumMod val="50000"/>
+                </a:schemeClr>
+              </a:solidFill>
+              <a:latin typeface="Lucida Sans Unicode" pitchFamily="34" charset="0"/>
+              <a:cs typeface="Lucida Sans Unicode" pitchFamily="34" charset="0"/>
+            </a:endParaRPr>
+          </a:p>
+        </p:txBody>
+      </p:sp>
+      <p:sp>
+        <p:nvSpPr>
+          <p:cNvPr id="8" name="Прямоугольник 7"/>
+          <p:cNvSpPr/>
+          <p:nvPr/>
+        </p:nvSpPr>
+        <p:spPr>
+          <a:xfrm>
+            <a:off x="3857620" y="3571876"/>
+            <a:ext cx="4572000" cy="1938992"/>
+          </a:xfrm>
+          <a:prstGeom prst="rect">
+            <a:avLst/>
+          </a:prstGeom>
+        </p:spPr>
         <p:txBody>
           <a:bodyPr>
-            <a:normAutofit fontScale="77500" lnSpcReduction="20000"/>
+            <a:spAutoFit/>
           </a:bodyPr>
           <a:lstStyle/>
           <a:p>
             <a:r>
-              <a:rPr lang="en-US" dirty="0" smtClean="0"/>
-              <a:t>stability of requirements throughout the development life cycle;</a:t>
-            </a:r>
-          </a:p>
-          <a:p>
-            <a:r>
-              <a:rPr lang="en-US" dirty="0" smtClean="0"/>
-              <a:t>the possibility of consistent elimination of difficulties;</a:t>
-            </a:r>
-          </a:p>
-          <a:p>
-            <a:r>
-              <a:rPr lang="en-US" dirty="0" smtClean="0"/>
-              <a:t>certainty and clarity of model steps and ease of its application;</a:t>
-            </a:r>
-          </a:p>
-          <a:p>
-            <a:r>
-              <a:rPr lang="en-US" dirty="0" smtClean="0"/>
-              <a:t>simplification of the possibility of planning, controlling and managing the project;</a:t>
-            </a:r>
-          </a:p>
-          <a:p>
-            <a:r>
-              <a:rPr lang="en-US" dirty="0" smtClean="0"/>
-              <a:t>availability for understanding by customers;</a:t>
-            </a:r>
-          </a:p>
-          <a:p>
-            <a:r>
-              <a:rPr lang="en-US" dirty="0" smtClean="0"/>
-              <a:t>performance for projects with clear and understandable, but difficult to implement requirements;</a:t>
-            </a:r>
-          </a:p>
-          <a:p>
-            <a:r>
-              <a:rPr lang="en-US" dirty="0" smtClean="0"/>
-              <a:t>efficiency for projects with high quality requirements in the absence of strict cost and schedule constraints.</a:t>
-            </a:r>
-            <a:endParaRPr lang="ru-RU" dirty="0"/>
+              <a:rPr lang="en-US" sz="2000" dirty="0" smtClean="0">
+                <a:solidFill>
+                  <a:schemeClr val="bg1">
+                    <a:lumMod val="50000"/>
+                  </a:schemeClr>
+                </a:solidFill>
+                <a:latin typeface="Lucida Sans Unicode" pitchFamily="34" charset="0"/>
+                <a:cs typeface="Lucida Sans Unicode" pitchFamily="34" charset="0"/>
+              </a:rPr>
+              <a:t>- It is also known as a linear sequential model of the life cycle, because it illustrates the process of smooth transformation in the lower reaches, simulating the flow of analysis.</a:t>
+            </a:r>
+            <a:endParaRPr lang="ru-RU" sz="2000" dirty="0">
+              <a:solidFill>
+                <a:schemeClr val="bg1">
+                  <a:lumMod val="50000"/>
+                </a:schemeClr>
+              </a:solidFill>
+              <a:latin typeface="Lucida Sans Unicode" pitchFamily="34" charset="0"/>
+              <a:cs typeface="Lucida Sans Unicode" pitchFamily="34" charset="0"/>
+            </a:endParaRPr>
+          </a:p>
+        </p:txBody>
+      </p:sp>
+      <p:sp>
+        <p:nvSpPr>
+          <p:cNvPr id="9" name="Прямоугольник 8"/>
+          <p:cNvSpPr/>
+          <p:nvPr/>
+        </p:nvSpPr>
+        <p:spPr>
+          <a:xfrm>
+            <a:off x="500034" y="5929330"/>
+            <a:ext cx="4572000" cy="646331"/>
+          </a:xfrm>
+          <a:prstGeom prst="rect">
+            <a:avLst/>
+          </a:prstGeom>
+        </p:spPr>
+        <p:txBody>
+          <a:bodyPr>
+            <a:spAutoFit/>
+          </a:bodyPr>
+          <a:lstStyle/>
+          <a:p>
+            <a:r>
+              <a:rPr lang="ru-RU" dirty="0" smtClean="0">
+                <a:solidFill>
+                  <a:schemeClr val="bg1">
+                    <a:lumMod val="50000"/>
+                  </a:schemeClr>
+                </a:solidFill>
+                <a:latin typeface="Lucida Sans Unicode" pitchFamily="34" charset="0"/>
+                <a:cs typeface="Lucida Sans Unicode" pitchFamily="34" charset="0"/>
+              </a:rPr>
+              <a:t>- </a:t>
+            </a:r>
+            <a:r>
+              <a:rPr lang="en-US" dirty="0" smtClean="0">
+                <a:solidFill>
+                  <a:schemeClr val="bg1">
+                    <a:lumMod val="50000"/>
+                  </a:schemeClr>
+                </a:solidFill>
+                <a:latin typeface="Lucida Sans Unicode" pitchFamily="34" charset="0"/>
+                <a:cs typeface="Lucida Sans Unicode" pitchFamily="34" charset="0"/>
+              </a:rPr>
+              <a:t>Typically, the result of one phase acts as an input for the next stage.</a:t>
+            </a:r>
+            <a:endParaRPr lang="ru-RU" dirty="0">
+              <a:solidFill>
+                <a:schemeClr val="bg1">
+                  <a:lumMod val="50000"/>
+                </a:schemeClr>
+              </a:solidFill>
+              <a:latin typeface="Lucida Sans Unicode" pitchFamily="34" charset="0"/>
+              <a:cs typeface="Lucida Sans Unicode" pitchFamily="34" charset="0"/>
+            </a:endParaRPr>
           </a:p>
         </p:txBody>
       </p:sp>
@@ -3656,85 +3828,256 @@
           <a:lstStyle/>
           <a:p>
             <a:r>
-              <a:rPr lang="en-US" dirty="0" smtClean="0"/>
-              <a:t>Limitations - </a:t>
-            </a:r>
-            <a:r>
-              <a:rPr lang="en-US" b="1" dirty="0" smtClean="0"/>
-              <a:t>Waterfall model</a:t>
-            </a:r>
-            <a:r>
-              <a:rPr lang="en-US" b="1" dirty="0" smtClean="0"/>
-              <a:t> </a:t>
-            </a:r>
-            <a:endParaRPr lang="ru-RU" b="1" dirty="0"/>
-          </a:p>
-        </p:txBody>
-      </p:sp>
-      <p:sp>
-        <p:nvSpPr>
-          <p:cNvPr id="3" name="Содержимое 2"/>
-          <p:cNvSpPr>
-            <a:spLocks noGrp="1"/>
-          </p:cNvSpPr>
+              <a:rPr lang="en-US" dirty="0" smtClean="0">
+                <a:solidFill>
+                  <a:srgbClr val="00B050"/>
+                </a:solidFill>
+                <a:latin typeface="Bahnschrift Condensed" pitchFamily="34" charset="0"/>
+                <a:cs typeface="Lucida Sans Unicode" pitchFamily="34" charset="0"/>
+              </a:rPr>
+              <a:t>~ Agile ~</a:t>
+            </a:r>
+            <a:endParaRPr lang="ru-RU" dirty="0">
+              <a:solidFill>
+                <a:srgbClr val="00B050"/>
+              </a:solidFill>
+              <a:latin typeface="Bahnschrift Condensed" pitchFamily="34" charset="0"/>
+              <a:cs typeface="Lucida Sans Unicode" pitchFamily="34" charset="0"/>
+            </a:endParaRPr>
+          </a:p>
+        </p:txBody>
+      </p:sp>
+      <p:pic>
+        <p:nvPicPr>
+          <p:cNvPr id="4" name="Содержимое 3" descr="Image [3].jpg"/>
+          <p:cNvPicPr>
+            <a:picLocks noGrp="1" noChangeAspect="1"/>
+          </p:cNvPicPr>
           <p:nvPr>
             <p:ph idx="1"/>
           </p:nvPr>
-        </p:nvSpPr>
-        <p:spPr/>
+        </p:nvPicPr>
+        <p:blipFill>
+          <a:blip r:embed="rId2"/>
+          <a:stretch>
+            <a:fillRect/>
+          </a:stretch>
+        </p:blipFill>
+        <p:spPr>
+          <a:xfrm>
+            <a:off x="642910" y="214290"/>
+            <a:ext cx="1449344" cy="1500198"/>
+          </a:xfrm>
+          <a:prstGeom prst="rect">
+            <a:avLst/>
+          </a:prstGeom>
+          <a:ln>
+            <a:noFill/>
+          </a:ln>
+          <a:effectLst>
+            <a:softEdge rad="112500"/>
+          </a:effectLst>
+        </p:spPr>
+      </p:pic>
+      <p:sp>
+        <p:nvSpPr>
+          <p:cNvPr id="5" name="Кольцо 4"/>
+          <p:cNvSpPr/>
+          <p:nvPr/>
+        </p:nvSpPr>
+        <p:spPr>
+          <a:xfrm>
+            <a:off x="1285852" y="3929066"/>
+            <a:ext cx="1714512" cy="1714512"/>
+          </a:xfrm>
+          <a:prstGeom prst="donut">
+            <a:avLst/>
+          </a:prstGeom>
+          <a:solidFill>
+            <a:srgbClr val="00B050"/>
+          </a:solidFill>
+        </p:spPr>
+        <p:style>
+          <a:lnRef idx="0">
+            <a:schemeClr val="accent3"/>
+          </a:lnRef>
+          <a:fillRef idx="1003">
+            <a:schemeClr val="lt1"/>
+          </a:fillRef>
+          <a:effectRef idx="3">
+            <a:schemeClr val="accent3"/>
+          </a:effectRef>
+          <a:fontRef idx="minor">
+            <a:schemeClr val="lt1"/>
+          </a:fontRef>
+        </p:style>
+        <p:txBody>
+          <a:bodyPr rtlCol="0" anchor="ctr"/>
+          <a:lstStyle/>
+          <a:p>
+            <a:pPr algn="ctr"/>
+            <a:endParaRPr lang="ru-RU">
+              <a:solidFill>
+                <a:schemeClr val="tx1"/>
+              </a:solidFill>
+            </a:endParaRPr>
+          </a:p>
+        </p:txBody>
+      </p:sp>
+      <p:pic>
+        <p:nvPicPr>
+          <p:cNvPr id="6" name="Рисунок 5" descr="agile-development-model.png"/>
+          <p:cNvPicPr>
+            <a:picLocks noChangeAspect="1"/>
+          </p:cNvPicPr>
+          <p:nvPr/>
+        </p:nvPicPr>
+        <p:blipFill>
+          <a:blip r:embed="rId3"/>
+          <a:stretch>
+            <a:fillRect/>
+          </a:stretch>
+        </p:blipFill>
+        <p:spPr>
+          <a:xfrm>
+            <a:off x="5286380" y="1428736"/>
+            <a:ext cx="3715269" cy="3267531"/>
+          </a:xfrm>
+          <a:prstGeom prst="rect">
+            <a:avLst/>
+          </a:prstGeom>
+        </p:spPr>
+      </p:pic>
+      <p:sp>
+        <p:nvSpPr>
+          <p:cNvPr id="7" name="Прямоугольник 6"/>
+          <p:cNvSpPr/>
+          <p:nvPr/>
+        </p:nvSpPr>
+        <p:spPr>
+          <a:xfrm>
+            <a:off x="3643306" y="5357826"/>
+            <a:ext cx="4572000" cy="707886"/>
+          </a:xfrm>
+          <a:prstGeom prst="rect">
+            <a:avLst/>
+          </a:prstGeom>
+        </p:spPr>
         <p:txBody>
           <a:bodyPr>
-            <a:normAutofit fontScale="62500" lnSpcReduction="20000"/>
+            <a:spAutoFit/>
           </a:bodyPr>
           <a:lstStyle/>
           <a:p>
             <a:r>
-              <a:rPr lang="en-US" dirty="0" smtClean="0"/>
-              <a:t>the complexity of a clear formulation of requirements at the beginning of the life cycle and the impossibility of their dynamic change throughout it;</a:t>
-            </a:r>
-          </a:p>
-          <a:p>
-            <a:r>
-              <a:rPr lang="en-US" dirty="0" smtClean="0"/>
-              <a:t>the sequence of the linear structure of the development process, resulting in a return to the previous steps to solve problems, leads to increased costs and disruption of the work schedule;</a:t>
-            </a:r>
-          </a:p>
-          <a:p>
-            <a:r>
-              <a:rPr lang="en-US" dirty="0" smtClean="0"/>
-              <a:t>unsuitability of the intermediate product for use;</a:t>
-            </a:r>
-          </a:p>
-          <a:p>
-            <a:r>
-              <a:rPr lang="en-US" dirty="0" smtClean="0"/>
-              <a:t>the impossibility of flexible modeling systems that have no analogues;</a:t>
-            </a:r>
-          </a:p>
-          <a:p>
-            <a:r>
-              <a:rPr lang="en-US" dirty="0" smtClean="0"/>
-              <a:t>late detection of problems associated with the assembly, due to the simultaneous integration of all the results at the end of development;</a:t>
-            </a:r>
-          </a:p>
-          <a:p>
-            <a:r>
-              <a:rPr lang="en-US" dirty="0" smtClean="0"/>
-              <a:t>lack of user participation in the creation of the system - only at the very beginning (when developing requirements) and at the end (during acceptance tests);</a:t>
-            </a:r>
-          </a:p>
-          <a:p>
-            <a:r>
-              <a:rPr lang="en-US" dirty="0" smtClean="0"/>
-              <a:t>the impossibility of a preliminary assessment of the quality of the system by the user;</a:t>
-            </a:r>
-          </a:p>
-          <a:p>
-            <a:r>
-              <a:rPr lang="en-US" dirty="0" smtClean="0"/>
-              <a:t>the problem of financing the project due to the complexity of the one-time allocation of large funds.</a:t>
-            </a:r>
-            <a:endParaRPr lang="ru-RU" dirty="0"/>
+              <a:rPr lang="en-US" sz="2000" dirty="0" smtClean="0">
+                <a:solidFill>
+                  <a:schemeClr val="bg1">
+                    <a:lumMod val="50000"/>
+                  </a:schemeClr>
+                </a:solidFill>
+                <a:latin typeface="Lucida Sans Unicode" pitchFamily="34" charset="0"/>
+                <a:cs typeface="Lucida Sans Unicode" pitchFamily="34" charset="0"/>
+              </a:rPr>
+              <a:t>- A typical agile model of a non-terminating cycle.</a:t>
+            </a:r>
+            <a:endParaRPr lang="ru-RU" sz="2000" dirty="0">
+              <a:solidFill>
+                <a:schemeClr val="bg1">
+                  <a:lumMod val="50000"/>
+                </a:schemeClr>
+              </a:solidFill>
+              <a:latin typeface="Lucida Sans Unicode" pitchFamily="34" charset="0"/>
+              <a:cs typeface="Lucida Sans Unicode" pitchFamily="34" charset="0"/>
+            </a:endParaRPr>
+          </a:p>
+        </p:txBody>
+      </p:sp>
+      <p:sp>
+        <p:nvSpPr>
+          <p:cNvPr id="8" name="Прямоугольник 7"/>
+          <p:cNvSpPr/>
+          <p:nvPr/>
+        </p:nvSpPr>
+        <p:spPr>
+          <a:xfrm>
+            <a:off x="571472" y="2214554"/>
+            <a:ext cx="4572000" cy="1323439"/>
+          </a:xfrm>
+          <a:prstGeom prst="rect">
+            <a:avLst/>
+          </a:prstGeom>
+        </p:spPr>
+        <p:txBody>
+          <a:bodyPr>
+            <a:spAutoFit/>
+          </a:bodyPr>
+          <a:lstStyle/>
+          <a:p>
+            <a:r>
+              <a:rPr lang="en-US" sz="2000" dirty="0" smtClean="0">
+                <a:solidFill>
+                  <a:schemeClr val="bg1">
+                    <a:lumMod val="50000"/>
+                  </a:schemeClr>
+                </a:solidFill>
+                <a:latin typeface="Lucida Sans Unicode" pitchFamily="34" charset="0"/>
+                <a:cs typeface="Lucida Sans Unicode" pitchFamily="34" charset="0"/>
+              </a:rPr>
+              <a:t>- Agile, this is the basis of the software development process, requirements, design, develop, test, deploy, review.</a:t>
+            </a:r>
+            <a:endParaRPr lang="ru-RU" sz="2000" dirty="0">
+              <a:solidFill>
+                <a:schemeClr val="bg1">
+                  <a:lumMod val="50000"/>
+                </a:schemeClr>
+              </a:solidFill>
+              <a:latin typeface="Lucida Sans Unicode" pitchFamily="34" charset="0"/>
+              <a:cs typeface="Lucida Sans Unicode" pitchFamily="34" charset="0"/>
+            </a:endParaRPr>
+          </a:p>
+        </p:txBody>
+      </p:sp>
+      <p:sp>
+        <p:nvSpPr>
+          <p:cNvPr id="13" name="Дуга 12"/>
+          <p:cNvSpPr/>
+          <p:nvPr/>
+        </p:nvSpPr>
+        <p:spPr>
+          <a:xfrm>
+            <a:off x="1857356" y="4786322"/>
+            <a:ext cx="2428892" cy="714380"/>
+          </a:xfrm>
+          <a:prstGeom prst="arc">
+            <a:avLst/>
+          </a:prstGeom>
+          <a:ln>
+            <a:solidFill>
+              <a:srgbClr val="00B050"/>
+            </a:solidFill>
+          </a:ln>
+        </p:spPr>
+        <p:style>
+          <a:lnRef idx="3">
+            <a:schemeClr val="accent3"/>
+          </a:lnRef>
+          <a:fillRef idx="0">
+            <a:schemeClr val="accent3"/>
+          </a:fillRef>
+          <a:effectRef idx="2">
+            <a:schemeClr val="accent3"/>
+          </a:effectRef>
+          <a:fontRef idx="minor">
+            <a:schemeClr val="tx1"/>
+          </a:fontRef>
+        </p:style>
+        <p:txBody>
+          <a:bodyPr rtlCol="0" anchor="ctr"/>
+          <a:lstStyle/>
+          <a:p>
+            <a:pPr algn="ctr"/>
+            <a:endParaRPr lang="ru-RU"/>
           </a:p>
         </p:txBody>
       </p:sp>
@@ -3773,16 +4116,31 @@
             <p:ph type="ctrTitle"/>
           </p:nvPr>
         </p:nvSpPr>
-        <p:spPr/>
+        <p:spPr>
+          <a:xfrm>
+            <a:off x="571472" y="285728"/>
+            <a:ext cx="7772400" cy="1470025"/>
+          </a:xfrm>
+        </p:spPr>
         <p:txBody>
           <a:bodyPr/>
           <a:lstStyle/>
           <a:p>
             <a:r>
-              <a:rPr lang="en-US" b="1" dirty="0" smtClean="0"/>
-              <a:t>Agile</a:t>
-            </a:r>
-            <a:endParaRPr lang="ru-RU" dirty="0"/>
+              <a:rPr lang="en-US" dirty="0" smtClean="0">
+                <a:solidFill>
+                  <a:srgbClr val="00B050"/>
+                </a:solidFill>
+                <a:latin typeface="Bahnschrift SemiLight Condensed" pitchFamily="34" charset="0"/>
+              </a:rPr>
+              <a:t>~ Spiral ~</a:t>
+            </a:r>
+            <a:endParaRPr lang="ru-RU" dirty="0">
+              <a:solidFill>
+                <a:srgbClr val="00B050"/>
+              </a:solidFill>
+              <a:latin typeface="Bahnschrift SemiLight Condensed" pitchFamily="34" charset="0"/>
+            </a:endParaRPr>
           </a:p>
         </p:txBody>
       </p:sp>
@@ -3796,32 +4154,164 @@
             <p:ph type="subTitle" idx="1"/>
           </p:nvPr>
         </p:nvSpPr>
-        <p:spPr/>
-        <p:txBody>
-          <a:bodyPr/>
-          <a:lstStyle/>
-          <a:p>
-            <a:r>
-              <a:rPr lang="en-US" dirty="0" smtClean="0"/>
-              <a:t>Advantages</a:t>
-            </a:r>
-            <a:r>
-              <a:rPr lang="ru-RU" dirty="0" smtClean="0"/>
-              <a:t> </a:t>
-            </a:r>
-            <a:r>
-              <a:rPr lang="en-US" dirty="0" err="1" smtClean="0"/>
-              <a:t>vs</a:t>
-            </a:r>
-            <a:r>
-              <a:rPr lang="en-US" dirty="0" smtClean="0"/>
-              <a:t> </a:t>
-            </a:r>
-            <a:r>
-              <a:rPr lang="en-US" dirty="0" smtClean="0"/>
-              <a:t>Limitations</a:t>
-            </a:r>
-            <a:endParaRPr lang="ru-RU" dirty="0"/>
+        <p:spPr>
+          <a:xfrm>
+            <a:off x="142844" y="2500306"/>
+            <a:ext cx="5572164" cy="1752600"/>
+          </a:xfrm>
+        </p:spPr>
+        <p:txBody>
+          <a:bodyPr>
+            <a:normAutofit/>
+          </a:bodyPr>
+          <a:lstStyle/>
+          <a:p>
+            <a:pPr algn="l"/>
+            <a:r>
+              <a:rPr lang="en-US" sz="2000" dirty="0" smtClean="0">
+                <a:solidFill>
+                  <a:schemeClr val="bg1">
+                    <a:lumMod val="50000"/>
+                  </a:schemeClr>
+                </a:solidFill>
+                <a:latin typeface="Lucida Sans Unicode" pitchFamily="34" charset="0"/>
+                <a:cs typeface="Lucida Sans Unicode" pitchFamily="34" charset="0"/>
+              </a:rPr>
+              <a:t>- A spiral model similar to agile. It consists of four stages: planning, risk analysis, engineering, and review.</a:t>
+            </a:r>
+            <a:endParaRPr lang="ru-RU" sz="2000" dirty="0">
+              <a:latin typeface="Lucida Sans Unicode" pitchFamily="34" charset="0"/>
+              <a:cs typeface="Lucida Sans Unicode" pitchFamily="34" charset="0"/>
+            </a:endParaRPr>
+          </a:p>
+        </p:txBody>
+      </p:sp>
+      <p:pic>
+        <p:nvPicPr>
+          <p:cNvPr id="4" name="Рисунок 3" descr="Image [4].jpg"/>
+          <p:cNvPicPr>
+            <a:picLocks noChangeAspect="1"/>
+          </p:cNvPicPr>
+          <p:nvPr/>
+        </p:nvPicPr>
+        <p:blipFill>
+          <a:blip r:embed="rId2"/>
+          <a:stretch>
+            <a:fillRect/>
+          </a:stretch>
+        </p:blipFill>
+        <p:spPr>
+          <a:xfrm>
+            <a:off x="857224" y="428604"/>
+            <a:ext cx="1628775" cy="1724025"/>
+          </a:xfrm>
+          <a:prstGeom prst="rect">
+            <a:avLst/>
+          </a:prstGeom>
+        </p:spPr>
+      </p:pic>
+      <p:pic>
+        <p:nvPicPr>
+          <p:cNvPr id="7" name="Рисунок 6" descr="spiral_model.png"/>
+          <p:cNvPicPr>
+            <a:picLocks noChangeAspect="1"/>
+          </p:cNvPicPr>
+          <p:nvPr/>
+        </p:nvPicPr>
+        <p:blipFill>
+          <a:blip r:embed="rId3"/>
+          <a:stretch>
+            <a:fillRect/>
+          </a:stretch>
+        </p:blipFill>
+        <p:spPr>
+          <a:xfrm>
+            <a:off x="5643570" y="1571612"/>
+            <a:ext cx="3200412" cy="3200412"/>
+          </a:xfrm>
+          <a:prstGeom prst="rect">
+            <a:avLst/>
+          </a:prstGeom>
+        </p:spPr>
+      </p:pic>
+      <p:pic>
+        <p:nvPicPr>
+          <p:cNvPr id="8" name="Рисунок 7" descr="2519-raskraska-galaktika.jpg"/>
+          <p:cNvPicPr>
+            <a:picLocks noChangeAspect="1"/>
+          </p:cNvPicPr>
+          <p:nvPr/>
+        </p:nvPicPr>
+        <p:blipFill>
+          <a:blip r:embed="rId4" cstate="print"/>
+          <a:stretch>
+            <a:fillRect/>
+          </a:stretch>
+        </p:blipFill>
+        <p:spPr>
+          <a:xfrm>
+            <a:off x="571472" y="3929066"/>
+            <a:ext cx="3357554" cy="2518166"/>
+          </a:xfrm>
+          <a:prstGeom prst="rect">
+            <a:avLst/>
+          </a:prstGeom>
+        </p:spPr>
+      </p:pic>
+      <p:sp>
+        <p:nvSpPr>
+          <p:cNvPr id="9" name="Прямоугольник 8"/>
+          <p:cNvSpPr/>
+          <p:nvPr/>
+        </p:nvSpPr>
+        <p:spPr>
+          <a:xfrm>
+            <a:off x="4071934" y="5143512"/>
+            <a:ext cx="4572000" cy="1323439"/>
+          </a:xfrm>
+          <a:prstGeom prst="rect">
+            <a:avLst/>
+          </a:prstGeom>
+        </p:spPr>
+        <p:txBody>
+          <a:bodyPr>
+            <a:spAutoFit/>
+          </a:bodyPr>
+          <a:lstStyle/>
+          <a:p>
+            <a:r>
+              <a:rPr lang="ru-RU" sz="2000" dirty="0" smtClean="0">
+                <a:solidFill>
+                  <a:schemeClr val="bg1">
+                    <a:lumMod val="50000"/>
+                  </a:schemeClr>
+                </a:solidFill>
+                <a:latin typeface="Lucida Sans Unicode" pitchFamily="34" charset="0"/>
+                <a:cs typeface="Lucida Sans Unicode" pitchFamily="34" charset="0"/>
+              </a:rPr>
+              <a:t>- </a:t>
+            </a:r>
+            <a:r>
+              <a:rPr lang="en-US" sz="2000" dirty="0" smtClean="0">
+                <a:solidFill>
+                  <a:schemeClr val="bg1">
+                    <a:lumMod val="50000"/>
+                  </a:schemeClr>
+                </a:solidFill>
+                <a:latin typeface="Lucida Sans Unicode" pitchFamily="34" charset="0"/>
+                <a:cs typeface="Lucida Sans Unicode" pitchFamily="34" charset="0"/>
+              </a:rPr>
+              <a:t>A distinctive feature of this model is a special attention to the risks affecting the organization of the life cycle.</a:t>
+            </a:r>
+            <a:endParaRPr lang="ru-RU" sz="2000" dirty="0">
+              <a:solidFill>
+                <a:schemeClr val="bg1">
+                  <a:lumMod val="50000"/>
+                </a:schemeClr>
+              </a:solidFill>
+              <a:latin typeface="Lucida Sans Unicode" pitchFamily="34" charset="0"/>
+              <a:cs typeface="Lucida Sans Unicode" pitchFamily="34" charset="0"/>
+            </a:endParaRPr>
           </a:p>
         </p:txBody>
       </p:sp>
@@ -3860,172 +4350,222 @@
             <p:ph type="title"/>
           </p:nvPr>
         </p:nvSpPr>
-        <p:spPr/>
+        <p:spPr>
+          <a:xfrm>
+            <a:off x="428596" y="571480"/>
+            <a:ext cx="8229600" cy="989034"/>
+          </a:xfrm>
+        </p:spPr>
         <p:txBody>
           <a:bodyPr/>
           <a:lstStyle/>
           <a:p>
             <a:r>
-              <a:rPr lang="en-US" dirty="0" smtClean="0"/>
-              <a:t>Advantages - </a:t>
-            </a:r>
-            <a:r>
-              <a:rPr lang="en-US" b="1" dirty="0" smtClean="0"/>
-              <a:t>Agile</a:t>
-            </a:r>
-            <a:endParaRPr lang="ru-RU" dirty="0"/>
-          </a:p>
-        </p:txBody>
-      </p:sp>
-      <p:sp>
-        <p:nvSpPr>
-          <p:cNvPr id="3" name="Содержимое 2"/>
-          <p:cNvSpPr>
-            <a:spLocks noGrp="1"/>
-          </p:cNvSpPr>
+              <a:rPr lang="en-US" dirty="0" smtClean="0">
+                <a:solidFill>
+                  <a:srgbClr val="00B050"/>
+                </a:solidFill>
+                <a:latin typeface="Bahnschrift SemiLight Condensed" pitchFamily="34" charset="0"/>
+              </a:rPr>
+              <a:t>~ </a:t>
+            </a:r>
+            <a:r>
+              <a:rPr lang="ru-RU" dirty="0" smtClean="0">
+                <a:solidFill>
+                  <a:srgbClr val="00B050"/>
+                </a:solidFill>
+                <a:latin typeface="Bahnschrift SemiLight Condensed" pitchFamily="34" charset="0"/>
+              </a:rPr>
+              <a:t>V-</a:t>
+            </a:r>
+            <a:r>
+              <a:rPr lang="en-US" dirty="0" smtClean="0">
+                <a:solidFill>
+                  <a:srgbClr val="00B050"/>
+                </a:solidFill>
+                <a:latin typeface="Bahnschrift SemiLight Condensed" pitchFamily="34" charset="0"/>
+              </a:rPr>
+              <a:t>M</a:t>
+            </a:r>
+            <a:r>
+              <a:rPr lang="ru-RU" dirty="0" err="1" smtClean="0">
+                <a:solidFill>
+                  <a:srgbClr val="00B050"/>
+                </a:solidFill>
+                <a:latin typeface="Bahnschrift SemiLight Condensed" pitchFamily="34" charset="0"/>
+              </a:rPr>
+              <a:t>odel</a:t>
+            </a:r>
+            <a:r>
+              <a:rPr lang="en-US" dirty="0" smtClean="0">
+                <a:solidFill>
+                  <a:srgbClr val="00B050"/>
+                </a:solidFill>
+                <a:latin typeface="Bahnschrift SemiLight Condensed" pitchFamily="34" charset="0"/>
+              </a:rPr>
+              <a:t> ~</a:t>
+            </a:r>
+            <a:endParaRPr lang="ru-RU" dirty="0">
+              <a:solidFill>
+                <a:srgbClr val="00B050"/>
+              </a:solidFill>
+              <a:latin typeface="Bahnschrift SemiLight Condensed" pitchFamily="34" charset="0"/>
+            </a:endParaRPr>
+          </a:p>
+        </p:txBody>
+      </p:sp>
+      <p:pic>
+        <p:nvPicPr>
+          <p:cNvPr id="4" name="Содержимое 3" descr="Image [5].jpg"/>
+          <p:cNvPicPr>
+            <a:picLocks noGrp="1" noChangeAspect="1"/>
+          </p:cNvPicPr>
           <p:nvPr>
             <p:ph idx="1"/>
           </p:nvPr>
-        </p:nvSpPr>
-        <p:spPr/>
+        </p:nvPicPr>
+        <p:blipFill>
+          <a:blip r:embed="rId2"/>
+          <a:stretch>
+            <a:fillRect/>
+          </a:stretch>
+        </p:blipFill>
+        <p:spPr>
+          <a:xfrm>
+            <a:off x="1071538" y="357166"/>
+            <a:ext cx="1571636" cy="1580773"/>
+          </a:xfrm>
+        </p:spPr>
+      </p:pic>
+      <p:pic>
+        <p:nvPicPr>
+          <p:cNvPr id="5" name="Рисунок 4" descr="v-model.png"/>
+          <p:cNvPicPr>
+            <a:picLocks noChangeAspect="1"/>
+          </p:cNvPicPr>
+          <p:nvPr/>
+        </p:nvPicPr>
+        <p:blipFill>
+          <a:blip r:embed="rId3"/>
+          <a:stretch>
+            <a:fillRect/>
+          </a:stretch>
+        </p:blipFill>
+        <p:spPr>
+          <a:xfrm>
+            <a:off x="5143504" y="1571612"/>
+            <a:ext cx="3676883" cy="3548712"/>
+          </a:xfrm>
+          <a:prstGeom prst="rect">
+            <a:avLst/>
+          </a:prstGeom>
+        </p:spPr>
+      </p:pic>
+      <p:sp>
+        <p:nvSpPr>
+          <p:cNvPr id="6" name="Прямоугольник 5"/>
+          <p:cNvSpPr/>
+          <p:nvPr/>
+        </p:nvSpPr>
+        <p:spPr>
+          <a:xfrm>
+            <a:off x="357158" y="2428868"/>
+            <a:ext cx="4572000" cy="1323439"/>
+          </a:xfrm>
+          <a:prstGeom prst="rect">
+            <a:avLst/>
+          </a:prstGeom>
+        </p:spPr>
         <p:txBody>
           <a:bodyPr>
-            <a:noAutofit/>
+            <a:spAutoFit/>
           </a:bodyPr>
           <a:lstStyle/>
           <a:p>
-            <a:pPr marL="0" indent="0"/>
-            <a:r>
-              <a:rPr lang="en-US" sz="1800" dirty="0" smtClean="0"/>
-              <a:t>reducing the impact of serious risks in the early stages of the project, which leads to minimizing the costs of eliminating them</a:t>
-            </a:r>
-            <a:r>
-              <a:rPr lang="en-US" sz="1800" dirty="0" smtClean="0"/>
-              <a:t>;</a:t>
-            </a:r>
-            <a:endParaRPr lang="en-US" sz="1800" dirty="0" smtClean="0"/>
-          </a:p>
-          <a:p>
-            <a:pPr marL="0" indent="0"/>
-            <a:r>
-              <a:rPr lang="en-US" sz="1800" dirty="0" smtClean="0"/>
-              <a:t>organization </a:t>
-            </a:r>
-            <a:r>
-              <a:rPr lang="en-US" sz="1800" dirty="0" smtClean="0"/>
-              <a:t>of effective feedback from the project team with the customer (as well as customers, stakeholders) and the creation of a product that really meets its needs</a:t>
-            </a:r>
-            <a:r>
-              <a:rPr lang="en-US" sz="1800" dirty="0" smtClean="0"/>
-              <a:t>;</a:t>
-            </a:r>
-            <a:endParaRPr lang="en-US" sz="1800" dirty="0" smtClean="0"/>
-          </a:p>
-          <a:p>
-            <a:pPr marL="0" indent="0"/>
-            <a:r>
-              <a:rPr lang="en-US" sz="1800" dirty="0" smtClean="0"/>
-              <a:t>focus </a:t>
-            </a:r>
-            <a:r>
-              <a:rPr lang="en-US" sz="1800" dirty="0" smtClean="0"/>
-              <a:t>on the most important and critical areas of the project</a:t>
-            </a:r>
-            <a:r>
-              <a:rPr lang="en-US" sz="1800" dirty="0" smtClean="0"/>
-              <a:t>;</a:t>
-            </a:r>
-            <a:endParaRPr lang="en-US" sz="1800" dirty="0" smtClean="0"/>
-          </a:p>
-          <a:p>
-            <a:pPr marL="0" indent="0"/>
-            <a:r>
-              <a:rPr lang="en-US" sz="1800" dirty="0" smtClean="0"/>
-              <a:t>continuous </a:t>
-            </a:r>
-            <a:r>
-              <a:rPr lang="en-US" sz="1800" dirty="0" smtClean="0"/>
-              <a:t>iterative testing to evaluate the success of the entire project as a whole;</a:t>
-            </a:r>
-          </a:p>
-          <a:p>
-            <a:pPr marL="0" indent="0"/>
-            <a:r>
-              <a:rPr lang="en-US" sz="1800" dirty="0" smtClean="0"/>
-              <a:t>early </a:t>
-            </a:r>
-            <a:r>
-              <a:rPr lang="en-US" sz="1800" dirty="0" smtClean="0"/>
-              <a:t>detection of conflicts between requirements, models and project implementation</a:t>
-            </a:r>
-            <a:r>
-              <a:rPr lang="en-US" sz="1800" dirty="0" smtClean="0"/>
-              <a:t>;</a:t>
-            </a:r>
-            <a:endParaRPr lang="en-US" sz="1800" dirty="0" smtClean="0"/>
-          </a:p>
-          <a:p>
-            <a:pPr marL="0" indent="0"/>
-            <a:r>
-              <a:rPr lang="en-US" sz="1800" dirty="0" smtClean="0"/>
-              <a:t> </a:t>
-            </a:r>
-            <a:r>
-              <a:rPr lang="en-US" sz="1800" dirty="0" smtClean="0"/>
-              <a:t>more uniform loading of project participants</a:t>
-            </a:r>
-            <a:r>
-              <a:rPr lang="en-US" sz="1800" dirty="0" smtClean="0"/>
-              <a:t>;</a:t>
-            </a:r>
-            <a:endParaRPr lang="en-US" sz="1800" dirty="0" smtClean="0"/>
-          </a:p>
-          <a:p>
-            <a:pPr marL="0" indent="0"/>
-            <a:r>
-              <a:rPr lang="en-US" sz="1800" dirty="0" smtClean="0"/>
-              <a:t>effective </a:t>
-            </a:r>
-            <a:r>
-              <a:rPr lang="en-US" sz="1800" dirty="0" smtClean="0"/>
-              <a:t>use of accumulated experience</a:t>
-            </a:r>
-            <a:r>
-              <a:rPr lang="en-US" sz="1800" dirty="0" smtClean="0"/>
-              <a:t>;</a:t>
-            </a:r>
-            <a:endParaRPr lang="en-US" sz="1800" dirty="0" smtClean="0"/>
-          </a:p>
-          <a:p>
-            <a:pPr marL="0" indent="0"/>
-            <a:r>
-              <a:rPr lang="en-US" sz="1800" dirty="0" smtClean="0"/>
-              <a:t>real </a:t>
-            </a:r>
-            <a:r>
-              <a:rPr lang="en-US" sz="1800" dirty="0" smtClean="0"/>
-              <a:t>assessment of the current state of the project and, as a result, great confidence of customers and direct participants in its successful completion</a:t>
-            </a:r>
-            <a:r>
-              <a:rPr lang="en-US" sz="1800" dirty="0" smtClean="0"/>
-              <a:t>.</a:t>
-            </a:r>
-            <a:endParaRPr lang="en-US" sz="1800" dirty="0" smtClean="0"/>
-          </a:p>
-          <a:p>
-            <a:pPr marL="0" indent="0"/>
-            <a:r>
-              <a:rPr lang="en-US" sz="1800" dirty="0" smtClean="0"/>
-              <a:t>costs </a:t>
-            </a:r>
-            <a:r>
-              <a:rPr lang="en-US" sz="1800" dirty="0" smtClean="0"/>
-              <a:t>are distributed across the entire project, rather than grouped at the end.</a:t>
-            </a:r>
-            <a:endParaRPr lang="ru-RU" sz="1800" dirty="0"/>
-          </a:p>
-        </p:txBody>
-      </p:sp>
+            <a:r>
+              <a:rPr lang="en-US" sz="2000" dirty="0" smtClean="0">
+                <a:solidFill>
+                  <a:schemeClr val="bg1">
+                    <a:lumMod val="50000"/>
+                  </a:schemeClr>
+                </a:solidFill>
+                <a:latin typeface="Lucida Sans Unicode" pitchFamily="34" charset="0"/>
+                <a:cs typeface="Lucida Sans Unicode" pitchFamily="34" charset="0"/>
+              </a:rPr>
+              <a:t>- V-model is a set of steps that lead to each other. Testing is more emphasized in this model than in the Waterfall model.</a:t>
+            </a:r>
+          </a:p>
+        </p:txBody>
+      </p:sp>
+      <p:sp>
+        <p:nvSpPr>
+          <p:cNvPr id="7" name="Прямоугольник 6"/>
+          <p:cNvSpPr/>
+          <p:nvPr/>
+        </p:nvSpPr>
+        <p:spPr>
+          <a:xfrm>
+            <a:off x="4000496" y="5214950"/>
+            <a:ext cx="4572000" cy="1323439"/>
+          </a:xfrm>
+          <a:prstGeom prst="rect">
+            <a:avLst/>
+          </a:prstGeom>
+        </p:spPr>
+        <p:txBody>
+          <a:bodyPr>
+            <a:spAutoFit/>
+          </a:bodyPr>
+          <a:lstStyle/>
+          <a:p>
+            <a:r>
+              <a:rPr lang="en-US" sz="2000" dirty="0" smtClean="0">
+                <a:solidFill>
+                  <a:schemeClr val="bg1">
+                    <a:lumMod val="50000"/>
+                  </a:schemeClr>
+                </a:solidFill>
+                <a:latin typeface="Lucida Sans Unicode" pitchFamily="34" charset="0"/>
+                <a:cs typeface="Lucida Sans Unicode" pitchFamily="34" charset="0"/>
+              </a:rPr>
+              <a:t>- Testing procedures are developed at the beginning of the procedure, before any coding is performed.</a:t>
+            </a:r>
+            <a:endParaRPr lang="ru-RU" sz="2000" dirty="0">
+              <a:solidFill>
+                <a:schemeClr val="bg1">
+                  <a:lumMod val="50000"/>
+                </a:schemeClr>
+              </a:solidFill>
+              <a:latin typeface="Lucida Sans Unicode" pitchFamily="34" charset="0"/>
+              <a:cs typeface="Lucida Sans Unicode" pitchFamily="34" charset="0"/>
+            </a:endParaRPr>
+          </a:p>
+        </p:txBody>
+      </p:sp>
+      <p:pic>
+        <p:nvPicPr>
+          <p:cNvPr id="8" name="Рисунок 7" descr="rockets_PNG13290.png"/>
+          <p:cNvPicPr>
+            <a:picLocks noChangeAspect="1"/>
+          </p:cNvPicPr>
+          <p:nvPr/>
+        </p:nvPicPr>
+        <p:blipFill>
+          <a:blip r:embed="rId4"/>
+          <a:stretch>
+            <a:fillRect/>
+          </a:stretch>
+        </p:blipFill>
+        <p:spPr>
+          <a:xfrm>
+            <a:off x="714348" y="4143380"/>
+            <a:ext cx="2438400" cy="2438400"/>
+          </a:xfrm>
+          <a:prstGeom prst="rect">
+            <a:avLst/>
+          </a:prstGeom>
+        </p:spPr>
+      </p:pic>
     </p:spTree>
   </p:cSld>
   <p:clrMapOvr>
@@ -4063,22 +4603,47 @@
         </p:nvSpPr>
         <p:spPr/>
         <p:txBody>
-          <a:bodyPr/>
-          <a:lstStyle/>
-          <a:p>
-            <a:r>
-              <a:rPr lang="en-US" dirty="0" smtClean="0"/>
-              <a:t>Limitations </a:t>
-            </a:r>
-            <a:r>
-              <a:rPr lang="en-US" dirty="0" smtClean="0"/>
-              <a:t>- </a:t>
-            </a:r>
-            <a:r>
-              <a:rPr lang="en-US" b="1" dirty="0" smtClean="0"/>
-              <a:t>Agile</a:t>
-            </a:r>
-            <a:endParaRPr lang="ru-RU" dirty="0"/>
+          <a:bodyPr>
+            <a:normAutofit fontScale="90000"/>
+          </a:bodyPr>
+          <a:lstStyle/>
+          <a:p>
+            <a:r>
+              <a:rPr lang="en-US" sz="4900" dirty="0" smtClean="0">
+                <a:solidFill>
+                  <a:srgbClr val="00B050"/>
+                </a:solidFill>
+                <a:latin typeface="Bahnschrift SemiLight Condensed" pitchFamily="34" charset="0"/>
+              </a:rPr>
+              <a:t>~ Waterfall ~</a:t>
+            </a:r>
+            <a:r>
+              <a:rPr lang="ru-RU" dirty="0" smtClean="0">
+                <a:solidFill>
+                  <a:srgbClr val="00B050"/>
+                </a:solidFill>
+                <a:latin typeface="Bahnschrift SemiLight Condensed" pitchFamily="34" charset="0"/>
+              </a:rPr>
+              <a:t/>
+            </a:r>
+            <a:br>
+              <a:rPr lang="ru-RU" dirty="0" smtClean="0">
+                <a:solidFill>
+                  <a:srgbClr val="00B050"/>
+                </a:solidFill>
+                <a:latin typeface="Bahnschrift SemiLight Condensed" pitchFamily="34" charset="0"/>
+              </a:rPr>
+            </a:br>
+            <a:r>
+              <a:rPr lang="en-US" sz="3100" dirty="0" smtClean="0">
+                <a:solidFill>
+                  <a:srgbClr val="00B050"/>
+                </a:solidFill>
+                <a:latin typeface="Bahnschrift SemiLight Condensed" pitchFamily="34" charset="0"/>
+              </a:rPr>
+              <a:t>Pros and cons of the cascade model:</a:t>
+            </a:r>
+            <a:endParaRPr lang="ru-RU" sz="3100" dirty="0"/>
           </a:p>
         </p:txBody>
       </p:sp>
@@ -4092,55 +4657,463 @@
             <p:ph idx="1"/>
           </p:nvPr>
         </p:nvSpPr>
-        <p:spPr/>
+        <p:spPr>
+          <a:xfrm>
+            <a:off x="642910" y="1857364"/>
+            <a:ext cx="5686468" cy="1643074"/>
+          </a:xfrm>
+        </p:spPr>
         <p:txBody>
           <a:bodyPr>
-            <a:normAutofit/>
+            <a:normAutofit fontScale="92500"/>
           </a:bodyPr>
           <a:lstStyle/>
           <a:p>
-            <a:r>
-              <a:rPr lang="en-US" sz="2000" dirty="0" smtClean="0"/>
-              <a:t>A </a:t>
-            </a:r>
-            <a:r>
-              <a:rPr lang="en-US" sz="2000" dirty="0" smtClean="0"/>
-              <a:t>holistic understanding of the possibilities and limitations of the project for a very long time</a:t>
-            </a:r>
-            <a:r>
-              <a:rPr lang="en-US" sz="2000" dirty="0" smtClean="0"/>
-              <a:t>.</a:t>
-            </a:r>
-            <a:endParaRPr lang="en-US" sz="2000" dirty="0" smtClean="0"/>
-          </a:p>
-          <a:p>
-            <a:r>
-              <a:rPr lang="en-US" sz="2000" dirty="0" smtClean="0"/>
-              <a:t>During </a:t>
-            </a:r>
-            <a:r>
-              <a:rPr lang="en-US" sz="2000" dirty="0" smtClean="0"/>
-              <a:t>iterations, you have to discard some of the work done earlier</a:t>
-            </a:r>
-            <a:r>
-              <a:rPr lang="en-US" sz="2000" dirty="0" smtClean="0"/>
-              <a:t>.</a:t>
-            </a:r>
-            <a:endParaRPr lang="en-US" sz="2000" dirty="0" smtClean="0"/>
-          </a:p>
-          <a:p>
-            <a:r>
-              <a:rPr lang="en-US" sz="2000" dirty="0" smtClean="0"/>
-              <a:t>The </a:t>
-            </a:r>
-            <a:r>
-              <a:rPr lang="en-US" sz="2000" dirty="0" smtClean="0"/>
-              <a:t>conscientiousness of specialists in the performance of work is still declining, which is psychologically explicable, because they are constantly influenced by the feeling that “anyway, everything can be redone and improved later</a:t>
-            </a:r>
+            <a:pPr>
+              <a:buNone/>
+            </a:pPr>
+            <a:r>
+              <a:rPr lang="en-US" sz="1100" b="1" dirty="0" smtClean="0">
+                <a:solidFill>
+                  <a:srgbClr val="00B050"/>
+                </a:solidFill>
+                <a:latin typeface="Lucida Sans Unicode" pitchFamily="34" charset="0"/>
+                <a:cs typeface="Lucida Sans Unicode" pitchFamily="34" charset="0"/>
+              </a:rPr>
+              <a:t>+</a:t>
+            </a:r>
+            <a:r>
+              <a:rPr lang="en-US" sz="1100" dirty="0" smtClean="0">
+                <a:solidFill>
+                  <a:schemeClr val="bg1">
+                    <a:lumMod val="50000"/>
+                  </a:schemeClr>
+                </a:solidFill>
+                <a:latin typeface="Lucida Sans Unicode" pitchFamily="34" charset="0"/>
+                <a:cs typeface="Lucida Sans Unicode" pitchFamily="34" charset="0"/>
+              </a:rPr>
+              <a:t> Full documentation of each stage;</a:t>
+            </a:r>
+          </a:p>
+          <a:p>
+            <a:pPr>
+              <a:buNone/>
+            </a:pPr>
+            <a:r>
+              <a:rPr lang="en-US" sz="1100" b="1" dirty="0" smtClean="0">
+                <a:solidFill>
+                  <a:srgbClr val="00B050"/>
+                </a:solidFill>
+                <a:latin typeface="Lucida Sans Unicode" pitchFamily="34" charset="0"/>
+                <a:cs typeface="Lucida Sans Unicode" pitchFamily="34" charset="0"/>
+              </a:rPr>
+              <a:t>+</a:t>
+            </a:r>
+            <a:r>
+              <a:rPr lang="en-US" sz="1100" dirty="0" smtClean="0">
+                <a:solidFill>
+                  <a:schemeClr val="bg1">
+                    <a:lumMod val="50000"/>
+                  </a:schemeClr>
+                </a:solidFill>
+                <a:latin typeface="Lucida Sans Unicode" pitchFamily="34" charset="0"/>
+                <a:cs typeface="Lucida Sans Unicode" pitchFamily="34" charset="0"/>
+              </a:rPr>
+              <a:t> Clear planning of terms and costs;</a:t>
+            </a:r>
+          </a:p>
+          <a:p>
+            <a:pPr>
+              <a:buNone/>
+            </a:pPr>
+            <a:r>
+              <a:rPr lang="en-US" sz="1100" b="1" dirty="0" smtClean="0">
+                <a:solidFill>
+                  <a:srgbClr val="00B050"/>
+                </a:solidFill>
+                <a:latin typeface="Lucida Sans Unicode" pitchFamily="34" charset="0"/>
+                <a:cs typeface="Lucida Sans Unicode" pitchFamily="34" charset="0"/>
+              </a:rPr>
+              <a:t>+</a:t>
+            </a:r>
+            <a:r>
+              <a:rPr lang="en-US" sz="1100" dirty="0" smtClean="0">
+                <a:solidFill>
+                  <a:schemeClr val="bg1">
+                    <a:lumMod val="50000"/>
+                  </a:schemeClr>
+                </a:solidFill>
+                <a:latin typeface="Lucida Sans Unicode" pitchFamily="34" charset="0"/>
+                <a:cs typeface="Lucida Sans Unicode" pitchFamily="34" charset="0"/>
+              </a:rPr>
+              <a:t> Transparency of processes for the customer;</a:t>
+            </a:r>
+            <a:endParaRPr lang="ru-RU" sz="1100" dirty="0" smtClean="0">
+              <a:solidFill>
+                <a:schemeClr val="bg1">
+                  <a:lumMod val="50000"/>
+                </a:schemeClr>
+              </a:solidFill>
+              <a:latin typeface="Lucida Sans Unicode" pitchFamily="34" charset="0"/>
+              <a:cs typeface="Lucida Sans Unicode" pitchFamily="34" charset="0"/>
+            </a:endParaRPr>
+          </a:p>
+          <a:p>
+            <a:pPr>
+              <a:buNone/>
+            </a:pPr>
+            <a:endParaRPr lang="ru-RU" sz="1100" dirty="0" smtClean="0">
+              <a:solidFill>
+                <a:schemeClr val="bg1">
+                  <a:lumMod val="50000"/>
+                </a:schemeClr>
+              </a:solidFill>
+              <a:latin typeface="Lucida Sans Unicode" pitchFamily="34" charset="0"/>
+              <a:cs typeface="Lucida Sans Unicode" pitchFamily="34" charset="0"/>
+            </a:endParaRPr>
+          </a:p>
+          <a:p>
+            <a:pPr algn="just">
+              <a:buNone/>
+            </a:pPr>
+            <a:r>
+              <a:rPr lang="en-US" sz="1100" b="1" dirty="0" smtClean="0">
+                <a:solidFill>
+                  <a:srgbClr val="FF0000"/>
+                </a:solidFill>
+                <a:latin typeface="Lucida Sans Unicode" pitchFamily="34" charset="0"/>
+                <a:cs typeface="Lucida Sans Unicode" pitchFamily="34" charset="0"/>
+              </a:rPr>
+              <a:t>-</a:t>
+            </a:r>
+            <a:r>
+              <a:rPr lang="ru-RU" sz="1100" b="1" dirty="0" smtClean="0">
+                <a:solidFill>
+                  <a:srgbClr val="FF0000"/>
+                </a:solidFill>
+                <a:latin typeface="Lucida Sans Unicode" pitchFamily="34" charset="0"/>
+                <a:cs typeface="Lucida Sans Unicode" pitchFamily="34" charset="0"/>
+              </a:rPr>
+              <a:t> </a:t>
+            </a:r>
+            <a:r>
+              <a:rPr lang="en-US" sz="1100" dirty="0" smtClean="0">
+                <a:solidFill>
+                  <a:schemeClr val="bg1">
+                    <a:lumMod val="50000"/>
+                  </a:schemeClr>
+                </a:solidFill>
+                <a:latin typeface="Lucida Sans Unicode" pitchFamily="34" charset="0"/>
+                <a:cs typeface="Lucida Sans Unicode" pitchFamily="34" charset="0"/>
+              </a:rPr>
+              <a:t>The need to approve the full scope of system requirements at the first stage;</a:t>
+            </a:r>
+          </a:p>
+          <a:p>
+            <a:pPr>
+              <a:buNone/>
+            </a:pPr>
+            <a:r>
+              <a:rPr lang="en-US" sz="1100" b="1" dirty="0" smtClean="0">
+                <a:solidFill>
+                  <a:srgbClr val="FF0000"/>
+                </a:solidFill>
+                <a:latin typeface="Lucida Sans Unicode" pitchFamily="34" charset="0"/>
+                <a:cs typeface="Lucida Sans Unicode" pitchFamily="34" charset="0"/>
+              </a:rPr>
+              <a:t>-</a:t>
+            </a:r>
+            <a:r>
+              <a:rPr lang="ru-RU" sz="1100" b="1" dirty="0" smtClean="0">
+                <a:solidFill>
+                  <a:srgbClr val="FF0000"/>
+                </a:solidFill>
+                <a:latin typeface="Lucida Sans Unicode" pitchFamily="34" charset="0"/>
+                <a:cs typeface="Lucida Sans Unicode" pitchFamily="34" charset="0"/>
+              </a:rPr>
+              <a:t> </a:t>
+            </a:r>
+            <a:r>
+              <a:rPr lang="en-US" sz="1100" dirty="0" smtClean="0">
+                <a:solidFill>
+                  <a:schemeClr val="bg1">
+                    <a:lumMod val="50000"/>
+                  </a:schemeClr>
+                </a:solidFill>
+                <a:latin typeface="Lucida Sans Unicode" pitchFamily="34" charset="0"/>
+                <a:cs typeface="Lucida Sans Unicode" pitchFamily="34" charset="0"/>
+              </a:rPr>
+              <a:t>If it is necessary to make changes to the requirements later, return to the first stage and redo all the work done;</a:t>
+            </a:r>
+          </a:p>
+          <a:p>
+            <a:pPr algn="just">
+              <a:buNone/>
+            </a:pPr>
+            <a:r>
+              <a:rPr lang="en-US" sz="1100" b="1" dirty="0" smtClean="0">
+                <a:solidFill>
+                  <a:srgbClr val="FF0000"/>
+                </a:solidFill>
+                <a:latin typeface="Lucida Sans Unicode" pitchFamily="34" charset="0"/>
+                <a:cs typeface="Lucida Sans Unicode" pitchFamily="34" charset="0"/>
+              </a:rPr>
+              <a:t>-</a:t>
+            </a:r>
+            <a:r>
+              <a:rPr lang="ru-RU" sz="1100" b="1" dirty="0" smtClean="0">
+                <a:solidFill>
+                  <a:schemeClr val="bg1">
+                    <a:lumMod val="50000"/>
+                  </a:schemeClr>
+                </a:solidFill>
+                <a:latin typeface="Lucida Sans Unicode" pitchFamily="34" charset="0"/>
+                <a:cs typeface="Lucida Sans Unicode" pitchFamily="34" charset="0"/>
+              </a:rPr>
+              <a:t> </a:t>
+            </a:r>
+            <a:r>
+              <a:rPr lang="en-US" sz="1100" dirty="0" smtClean="0">
+                <a:solidFill>
+                  <a:schemeClr val="bg1">
+                    <a:lumMod val="50000"/>
+                  </a:schemeClr>
+                </a:solidFill>
+                <a:latin typeface="Lucida Sans Unicode" pitchFamily="34" charset="0"/>
+                <a:cs typeface="Lucida Sans Unicode" pitchFamily="34" charset="0"/>
+              </a:rPr>
+              <a:t>Increasing the cost of funds and time in case of need to change the requirements.</a:t>
+            </a:r>
+            <a:endParaRPr lang="ru-RU" sz="1100" dirty="0" smtClean="0">
+              <a:solidFill>
+                <a:schemeClr val="bg1">
+                  <a:lumMod val="50000"/>
+                </a:schemeClr>
+              </a:solidFill>
+              <a:latin typeface="Lucida Sans Unicode" pitchFamily="34" charset="0"/>
+              <a:cs typeface="Lucida Sans Unicode" pitchFamily="34" charset="0"/>
+            </a:endParaRPr>
+          </a:p>
+          <a:p>
             <a:endParaRPr lang="ru-RU" sz="2000" dirty="0"/>
           </a:p>
         </p:txBody>
       </p:sp>
+      <p:pic>
+        <p:nvPicPr>
+          <p:cNvPr id="6" name="Рисунок 5" descr="Image [6].jpg"/>
+          <p:cNvPicPr>
+            <a:picLocks noChangeAspect="1"/>
+          </p:cNvPicPr>
+          <p:nvPr/>
+        </p:nvPicPr>
+        <p:blipFill>
+          <a:blip r:embed="rId2"/>
+          <a:stretch>
+            <a:fillRect/>
+          </a:stretch>
+        </p:blipFill>
+        <p:spPr>
+          <a:xfrm>
+            <a:off x="785786" y="285728"/>
+            <a:ext cx="1465908" cy="1500198"/>
+          </a:xfrm>
+          <a:prstGeom prst="rect">
+            <a:avLst/>
+          </a:prstGeom>
+        </p:spPr>
+      </p:pic>
+      <p:sp>
+        <p:nvSpPr>
+          <p:cNvPr id="7" name="Прямоугольник 6"/>
+          <p:cNvSpPr/>
+          <p:nvPr/>
+        </p:nvSpPr>
+        <p:spPr>
+          <a:xfrm>
+            <a:off x="4000496" y="3714752"/>
+            <a:ext cx="4572000" cy="2831544"/>
+          </a:xfrm>
+          <a:prstGeom prst="rect">
+            <a:avLst/>
+          </a:prstGeom>
+        </p:spPr>
+        <p:txBody>
+          <a:bodyPr>
+            <a:spAutoFit/>
+          </a:bodyPr>
+          <a:lstStyle/>
+          <a:p>
+            <a:r>
+              <a:rPr lang="en-US" sz="1000" dirty="0" smtClean="0">
+                <a:solidFill>
+                  <a:schemeClr val="bg1">
+                    <a:lumMod val="50000"/>
+                  </a:schemeClr>
+                </a:solidFill>
+                <a:latin typeface="Lucida Sans Unicode" pitchFamily="34" charset="0"/>
+                <a:cs typeface="Lucida Sans Unicode" pitchFamily="34" charset="0"/>
+              </a:rPr>
+              <a:t>Despite the fact that the cascade model is still in use, it has already lost its former positions. Today, it is being replaced by more advanced software development models and methodologies.</a:t>
+            </a:r>
+          </a:p>
+          <a:p>
+            <a:endParaRPr lang="en-US" sz="1000" dirty="0" smtClean="0">
+              <a:solidFill>
+                <a:schemeClr val="bg1">
+                  <a:lumMod val="50000"/>
+                </a:schemeClr>
+              </a:solidFill>
+              <a:latin typeface="Lucida Sans Unicode" pitchFamily="34" charset="0"/>
+              <a:cs typeface="Lucida Sans Unicode" pitchFamily="34" charset="0"/>
+            </a:endParaRPr>
+          </a:p>
+          <a:p>
+            <a:r>
+              <a:rPr lang="en-US" sz="2800" dirty="0" smtClean="0">
+                <a:solidFill>
+                  <a:srgbClr val="00B050"/>
+                </a:solidFill>
+                <a:latin typeface="Bahnschrift SemiLight Condensed" pitchFamily="34" charset="0"/>
+                <a:cs typeface="Lucida Sans Unicode" pitchFamily="34" charset="0"/>
+              </a:rPr>
+              <a:t>When to use cascade model:</a:t>
+            </a:r>
+          </a:p>
+          <a:p>
+            <a:endParaRPr lang="en-US" sz="1000" dirty="0" smtClean="0">
+              <a:solidFill>
+                <a:schemeClr val="bg1">
+                  <a:lumMod val="50000"/>
+                </a:schemeClr>
+              </a:solidFill>
+              <a:latin typeface="Lucida Sans Unicode" pitchFamily="34" charset="0"/>
+              <a:cs typeface="Lucida Sans Unicode" pitchFamily="34" charset="0"/>
+            </a:endParaRPr>
+          </a:p>
+          <a:p>
+            <a:r>
+              <a:rPr lang="en-US" sz="1000" dirty="0" smtClean="0">
+                <a:solidFill>
+                  <a:schemeClr val="bg1">
+                    <a:lumMod val="50000"/>
+                  </a:schemeClr>
+                </a:solidFill>
+                <a:latin typeface="Lucida Sans Unicode" pitchFamily="34" charset="0"/>
+                <a:cs typeface="Lucida Sans Unicode" pitchFamily="34" charset="0"/>
+              </a:rPr>
+              <a:t>- In projects with clearly defined requirements for which no changes are foreseen in the development process;</a:t>
+            </a:r>
+          </a:p>
+          <a:p>
+            <a:endParaRPr lang="en-US" sz="1000" dirty="0" smtClean="0">
+              <a:solidFill>
+                <a:schemeClr val="bg1">
+                  <a:lumMod val="50000"/>
+                </a:schemeClr>
+              </a:solidFill>
+              <a:latin typeface="Lucida Sans Unicode" pitchFamily="34" charset="0"/>
+              <a:cs typeface="Lucida Sans Unicode" pitchFamily="34" charset="0"/>
+            </a:endParaRPr>
+          </a:p>
+          <a:p>
+            <a:r>
+              <a:rPr lang="en-US" sz="1000" dirty="0" smtClean="0">
+                <a:solidFill>
+                  <a:schemeClr val="bg1">
+                    <a:lumMod val="50000"/>
+                  </a:schemeClr>
+                </a:solidFill>
+                <a:latin typeface="Lucida Sans Unicode" pitchFamily="34" charset="0"/>
+                <a:cs typeface="Lucida Sans Unicode" pitchFamily="34" charset="0"/>
+              </a:rPr>
+              <a:t>- For projects that migrate from one platform to another. That is, the requirements remain the same, only the system environment and / or programming language changes;</a:t>
+            </a:r>
+          </a:p>
+          <a:p>
+            <a:endParaRPr lang="en-US" sz="1000" dirty="0" smtClean="0">
+              <a:solidFill>
+                <a:schemeClr val="bg1">
+                  <a:lumMod val="50000"/>
+                </a:schemeClr>
+              </a:solidFill>
+              <a:latin typeface="Lucida Sans Unicode" pitchFamily="34" charset="0"/>
+              <a:cs typeface="Lucida Sans Unicode" pitchFamily="34" charset="0"/>
+            </a:endParaRPr>
+          </a:p>
+          <a:p>
+            <a:r>
+              <a:rPr lang="en-US" sz="1000" dirty="0" smtClean="0">
+                <a:solidFill>
+                  <a:schemeClr val="bg1">
+                    <a:lumMod val="50000"/>
+                  </a:schemeClr>
+                </a:solidFill>
+                <a:latin typeface="Lucida Sans Unicode" pitchFamily="34" charset="0"/>
+                <a:cs typeface="Lucida Sans Unicode" pitchFamily="34" charset="0"/>
+              </a:rPr>
+              <a:t>- When a development company is not required to carry out testing - for example, the customer or a third-party company will provide it with security.</a:t>
+            </a:r>
+            <a:endParaRPr lang="ru-RU" sz="1000" dirty="0">
+              <a:solidFill>
+                <a:schemeClr val="bg1">
+                  <a:lumMod val="50000"/>
+                </a:schemeClr>
+              </a:solidFill>
+              <a:latin typeface="Lucida Sans Unicode" pitchFamily="34" charset="0"/>
+              <a:cs typeface="Lucida Sans Unicode" pitchFamily="34" charset="0"/>
+            </a:endParaRPr>
+          </a:p>
+        </p:txBody>
+      </p:sp>
+      <p:pic>
+        <p:nvPicPr>
+          <p:cNvPr id="8" name="Рисунок 7" descr="mashina-folksvagen-zhuk.jpg"/>
+          <p:cNvPicPr>
+            <a:picLocks noChangeAspect="1"/>
+          </p:cNvPicPr>
+          <p:nvPr/>
+        </p:nvPicPr>
+        <p:blipFill>
+          <a:blip r:embed="rId3" cstate="print"/>
+          <a:stretch>
+            <a:fillRect/>
+          </a:stretch>
+        </p:blipFill>
+        <p:spPr>
+          <a:xfrm>
+            <a:off x="6429388" y="1857364"/>
+            <a:ext cx="2357454" cy="1571636"/>
+          </a:xfrm>
+          <a:prstGeom prst="rect">
+            <a:avLst/>
+          </a:prstGeom>
+        </p:spPr>
+      </p:pic>
+      <p:pic>
+        <p:nvPicPr>
+          <p:cNvPr id="9" name="Рисунок 8" descr="s1200.jpg"/>
+          <p:cNvPicPr>
+            <a:picLocks noChangeAspect="1"/>
+          </p:cNvPicPr>
+          <p:nvPr/>
+        </p:nvPicPr>
+        <p:blipFill>
+          <a:blip r:embed="rId4" cstate="print"/>
+          <a:stretch>
+            <a:fillRect/>
+          </a:stretch>
+        </p:blipFill>
+        <p:spPr>
+          <a:xfrm>
+            <a:off x="500034" y="4357694"/>
+            <a:ext cx="3143272" cy="1456383"/>
+          </a:xfrm>
+          <a:prstGeom prst="rect">
+            <a:avLst/>
+          </a:prstGeom>
+        </p:spPr>
+      </p:pic>
     </p:spTree>
   </p:cSld>
   <p:clrMapOvr>
@@ -4176,16 +5149,58 @@
             <p:ph type="ctrTitle"/>
           </p:nvPr>
         </p:nvSpPr>
-        <p:spPr/>
+        <p:spPr>
+          <a:xfrm>
+            <a:off x="642910" y="142852"/>
+            <a:ext cx="7772400" cy="1470025"/>
+          </a:xfrm>
+        </p:spPr>
         <p:txBody>
           <a:bodyPr/>
           <a:lstStyle/>
           <a:p>
             <a:r>
-              <a:rPr lang="en-US" b="1" dirty="0" smtClean="0"/>
-              <a:t>Spiral model</a:t>
-            </a:r>
-            <a:endParaRPr lang="en-US" b="1" dirty="0"/>
+              <a:rPr lang="en-US" dirty="0" smtClean="0">
+                <a:solidFill>
+                  <a:srgbClr val="00B050"/>
+                </a:solidFill>
+                <a:latin typeface="Bahnschrift SemiLight Condensed" pitchFamily="34" charset="0"/>
+                <a:cs typeface="Lucida Sans Unicode" pitchFamily="34" charset="0"/>
+              </a:rPr>
+              <a:t>~ Agile ~</a:t>
+            </a:r>
+            <a:r>
+              <a:rPr lang="ru-RU" dirty="0" smtClean="0">
+                <a:solidFill>
+                  <a:srgbClr val="00B050"/>
+                </a:solidFill>
+                <a:latin typeface="Bahnschrift SemiLight Condensed" pitchFamily="34" charset="0"/>
+                <a:cs typeface="Lucida Sans Unicode" pitchFamily="34" charset="0"/>
+              </a:rPr>
+              <a:t/>
+            </a:r>
+            <a:br>
+              <a:rPr lang="ru-RU" dirty="0" smtClean="0">
+                <a:solidFill>
+                  <a:srgbClr val="00B050"/>
+                </a:solidFill>
+                <a:latin typeface="Bahnschrift SemiLight Condensed" pitchFamily="34" charset="0"/>
+                <a:cs typeface="Lucida Sans Unicode" pitchFamily="34" charset="0"/>
+              </a:rPr>
+            </a:br>
+            <a:r>
+              <a:rPr lang="en-US" sz="2800" dirty="0" smtClean="0">
+                <a:solidFill>
+                  <a:srgbClr val="00B050"/>
+                </a:solidFill>
+                <a:latin typeface="Bahnschrift SemiLight Condensed" pitchFamily="34" charset="0"/>
+                <a:cs typeface="Lucida Sans Unicode" pitchFamily="34" charset="0"/>
+              </a:rPr>
+              <a:t>Pros and cons of the iterative model:</a:t>
+            </a:r>
+            <a:endParaRPr lang="en-US" sz="2800" b="1" dirty="0">
+              <a:latin typeface="Bahnschrift SemiLight Condensed" pitchFamily="34" charset="0"/>
+            </a:endParaRPr>
           </a:p>
         </p:txBody>
       </p:sp>
@@ -4199,32 +5214,374 @@
             <p:ph type="subTitle" idx="1"/>
           </p:nvPr>
         </p:nvSpPr>
-        <p:spPr/>
-        <p:txBody>
-          <a:bodyPr/>
-          <a:lstStyle/>
-          <a:p>
-            <a:r>
-              <a:rPr lang="en-US" dirty="0" smtClean="0"/>
-              <a:t>Advantages</a:t>
-            </a:r>
-            <a:r>
-              <a:rPr lang="ru-RU" dirty="0" smtClean="0"/>
-              <a:t> </a:t>
-            </a:r>
-            <a:r>
-              <a:rPr lang="en-US" dirty="0" err="1" smtClean="0"/>
-              <a:t>vs</a:t>
-            </a:r>
-            <a:r>
-              <a:rPr lang="en-US" dirty="0" smtClean="0"/>
-              <a:t> </a:t>
-            </a:r>
-            <a:r>
-              <a:rPr lang="en-US" dirty="0" smtClean="0"/>
-              <a:t>Limitations</a:t>
-            </a:r>
-            <a:endParaRPr lang="ru-RU" dirty="0"/>
+        <p:spPr>
+          <a:xfrm>
+            <a:off x="785786" y="1785926"/>
+            <a:ext cx="5143536" cy="1571636"/>
+          </a:xfrm>
+        </p:spPr>
+        <p:txBody>
+          <a:bodyPr>
+            <a:noAutofit/>
+          </a:bodyPr>
+          <a:lstStyle/>
+          <a:p>
+            <a:pPr algn="l"/>
+            <a:r>
+              <a:rPr lang="en-US" sz="1000" b="1" dirty="0" smtClean="0">
+                <a:solidFill>
+                  <a:srgbClr val="00B050"/>
+                </a:solidFill>
+                <a:latin typeface="Lucida Sans Unicode" pitchFamily="34" charset="0"/>
+                <a:cs typeface="Lucida Sans Unicode" pitchFamily="34" charset="0"/>
+              </a:rPr>
+              <a:t>+</a:t>
+            </a:r>
+            <a:r>
+              <a:rPr lang="en-US" sz="1000" dirty="0" smtClean="0">
+                <a:latin typeface="Lucida Sans Unicode" pitchFamily="34" charset="0"/>
+                <a:cs typeface="Lucida Sans Unicode" pitchFamily="34" charset="0"/>
+              </a:rPr>
+              <a:t> Early creation of working software;</a:t>
+            </a:r>
+          </a:p>
+          <a:p>
+            <a:pPr algn="l"/>
+            <a:r>
+              <a:rPr lang="en-US" sz="1000" b="1" dirty="0" smtClean="0">
+                <a:solidFill>
+                  <a:srgbClr val="00B050"/>
+                </a:solidFill>
+                <a:latin typeface="Lucida Sans Unicode" pitchFamily="34" charset="0"/>
+                <a:cs typeface="Lucida Sans Unicode" pitchFamily="34" charset="0"/>
+              </a:rPr>
+              <a:t>+</a:t>
+            </a:r>
+            <a:r>
+              <a:rPr lang="en-US" sz="1000" dirty="0" smtClean="0">
+                <a:latin typeface="Lucida Sans Unicode" pitchFamily="34" charset="0"/>
+                <a:cs typeface="Lucida Sans Unicode" pitchFamily="34" charset="0"/>
+              </a:rPr>
+              <a:t> Flexibility - willingness to change requirements at any stage of development;</a:t>
+            </a:r>
+          </a:p>
+          <a:p>
+            <a:pPr algn="l"/>
+            <a:r>
+              <a:rPr lang="en-US" sz="1000" b="1" dirty="0" smtClean="0">
+                <a:solidFill>
+                  <a:srgbClr val="00B050"/>
+                </a:solidFill>
+                <a:latin typeface="Lucida Sans Unicode" pitchFamily="34" charset="0"/>
+                <a:cs typeface="Lucida Sans Unicode" pitchFamily="34" charset="0"/>
+              </a:rPr>
+              <a:t>+</a:t>
+            </a:r>
+            <a:r>
+              <a:rPr lang="en-US" sz="1000" dirty="0" smtClean="0">
+                <a:latin typeface="Lucida Sans Unicode" pitchFamily="34" charset="0"/>
+                <a:cs typeface="Lucida Sans Unicode" pitchFamily="34" charset="0"/>
+              </a:rPr>
+              <a:t> Each iteration is a small stage for which testing and risk analysis is easier to provide than for the entire product life cycle.</a:t>
+            </a:r>
+          </a:p>
+          <a:p>
+            <a:pPr algn="l"/>
+            <a:endParaRPr lang="en-US" sz="1000" dirty="0" smtClean="0">
+              <a:latin typeface="Lucida Sans Unicode" pitchFamily="34" charset="0"/>
+              <a:cs typeface="Lucida Sans Unicode" pitchFamily="34" charset="0"/>
+            </a:endParaRPr>
+          </a:p>
+          <a:p>
+            <a:pPr algn="l"/>
+            <a:r>
+              <a:rPr lang="en-US" sz="1000" b="1" dirty="0" smtClean="0">
+                <a:solidFill>
+                  <a:srgbClr val="FF0000"/>
+                </a:solidFill>
+                <a:latin typeface="Lucida Sans Unicode" pitchFamily="34" charset="0"/>
+                <a:cs typeface="Lucida Sans Unicode" pitchFamily="34" charset="0"/>
+              </a:rPr>
+              <a:t>-</a:t>
+            </a:r>
+            <a:r>
+              <a:rPr lang="en-US" sz="1000" dirty="0" smtClean="0">
+                <a:latin typeface="Lucida Sans Unicode" pitchFamily="34" charset="0"/>
+                <a:cs typeface="Lucida Sans Unicode" pitchFamily="34" charset="0"/>
+              </a:rPr>
+              <a:t> Each phase is independent, separate iterations are not imposed;</a:t>
+            </a:r>
+          </a:p>
+          <a:p>
+            <a:pPr algn="l"/>
+            <a:r>
+              <a:rPr lang="en-US" sz="1000" b="1" dirty="0" smtClean="0">
+                <a:solidFill>
+                  <a:srgbClr val="FF0000"/>
+                </a:solidFill>
+                <a:latin typeface="Lucida Sans Unicode" pitchFamily="34" charset="0"/>
+                <a:cs typeface="Lucida Sans Unicode" pitchFamily="34" charset="0"/>
+              </a:rPr>
+              <a:t>-</a:t>
+            </a:r>
+            <a:r>
+              <a:rPr lang="en-US" sz="1000" dirty="0" smtClean="0">
+                <a:latin typeface="Lucida Sans Unicode" pitchFamily="34" charset="0"/>
+                <a:cs typeface="Lucida Sans Unicode" pitchFamily="34" charset="0"/>
+              </a:rPr>
+              <a:t> Problems may arise with the implementation of the overall system architecture, since not all requirements are known at the beginning of the design.</a:t>
+            </a:r>
+            <a:endParaRPr lang="ru-RU" sz="1000" dirty="0">
+              <a:latin typeface="Lucida Sans Unicode" pitchFamily="34" charset="0"/>
+              <a:cs typeface="Lucida Sans Unicode" pitchFamily="34" charset="0"/>
+            </a:endParaRPr>
+          </a:p>
+        </p:txBody>
+      </p:sp>
+      <p:pic>
+        <p:nvPicPr>
+          <p:cNvPr id="4" name="Рисунок 3" descr="Image [7].jpg"/>
+          <p:cNvPicPr>
+            <a:picLocks noChangeAspect="1"/>
+          </p:cNvPicPr>
+          <p:nvPr/>
+        </p:nvPicPr>
+        <p:blipFill>
+          <a:blip r:embed="rId2"/>
+          <a:stretch>
+            <a:fillRect/>
+          </a:stretch>
+        </p:blipFill>
+        <p:spPr>
+          <a:xfrm>
+            <a:off x="642910" y="0"/>
+            <a:ext cx="1570110" cy="1714488"/>
+          </a:xfrm>
+          <a:prstGeom prst="rect">
+            <a:avLst/>
+          </a:prstGeom>
+        </p:spPr>
+      </p:pic>
+      <p:sp>
+        <p:nvSpPr>
+          <p:cNvPr id="5" name="Прямоугольник 4"/>
+          <p:cNvSpPr/>
+          <p:nvPr/>
+        </p:nvSpPr>
+        <p:spPr>
+          <a:xfrm>
+            <a:off x="3929058" y="4071942"/>
+            <a:ext cx="4572000" cy="1600438"/>
+          </a:xfrm>
+          <a:prstGeom prst="rect">
+            <a:avLst/>
+          </a:prstGeom>
+        </p:spPr>
+        <p:txBody>
+          <a:bodyPr>
+            <a:spAutoFit/>
+          </a:bodyPr>
+          <a:lstStyle/>
+          <a:p>
+            <a:r>
+              <a:rPr lang="en-US" sz="2800" dirty="0" smtClean="0">
+                <a:solidFill>
+                  <a:srgbClr val="00B050"/>
+                </a:solidFill>
+                <a:latin typeface="Bahnschrift SemiLight Condensed" pitchFamily="34" charset="0"/>
+                <a:cs typeface="Lucida Sans Unicode" pitchFamily="34" charset="0"/>
+              </a:rPr>
+              <a:t>When to use an iterative model:</a:t>
+            </a:r>
+          </a:p>
+          <a:p>
+            <a:endParaRPr lang="en-US" sz="1000" dirty="0" smtClean="0">
+              <a:solidFill>
+                <a:schemeClr val="bg1">
+                  <a:lumMod val="50000"/>
+                </a:schemeClr>
+              </a:solidFill>
+              <a:latin typeface="Lucida Sans Unicode" pitchFamily="34" charset="0"/>
+              <a:cs typeface="Lucida Sans Unicode" pitchFamily="34" charset="0"/>
+            </a:endParaRPr>
+          </a:p>
+          <a:p>
+            <a:r>
+              <a:rPr lang="en-US" sz="1000" dirty="0" smtClean="0">
+                <a:solidFill>
+                  <a:schemeClr val="bg1">
+                    <a:lumMod val="50000"/>
+                  </a:schemeClr>
+                </a:solidFill>
+                <a:latin typeface="Lucida Sans Unicode" pitchFamily="34" charset="0"/>
+                <a:cs typeface="Lucida Sans Unicode" pitchFamily="34" charset="0"/>
+              </a:rPr>
+              <a:t>- For large projects;</a:t>
+            </a:r>
+          </a:p>
+          <a:p>
+            <a:r>
+              <a:rPr lang="en-US" sz="1000" dirty="0" smtClean="0">
+                <a:solidFill>
+                  <a:schemeClr val="bg1">
+                    <a:lumMod val="50000"/>
+                  </a:schemeClr>
+                </a:solidFill>
+                <a:latin typeface="Lucida Sans Unicode" pitchFamily="34" charset="0"/>
+                <a:cs typeface="Lucida Sans Unicode" pitchFamily="34" charset="0"/>
+              </a:rPr>
+              <a:t>- When at least the key requirements are known;</a:t>
+            </a:r>
+          </a:p>
+          <a:p>
+            <a:r>
+              <a:rPr lang="en-US" sz="1000" dirty="0" smtClean="0">
+                <a:solidFill>
+                  <a:schemeClr val="bg1">
+                    <a:lumMod val="50000"/>
+                  </a:schemeClr>
+                </a:solidFill>
+                <a:latin typeface="Lucida Sans Unicode" pitchFamily="34" charset="0"/>
+                <a:cs typeface="Lucida Sans Unicode" pitchFamily="34" charset="0"/>
+              </a:rPr>
+              <a:t>- When project requirements may change during the development process.</a:t>
+            </a:r>
+          </a:p>
+          <a:p>
+            <a:endParaRPr lang="en-US" sz="1000" dirty="0" smtClean="0">
+              <a:solidFill>
+                <a:schemeClr val="bg1">
+                  <a:lumMod val="50000"/>
+                </a:schemeClr>
+              </a:solidFill>
+              <a:latin typeface="Lucida Sans Unicode" pitchFamily="34" charset="0"/>
+              <a:cs typeface="Lucida Sans Unicode" pitchFamily="34" charset="0"/>
+            </a:endParaRPr>
+          </a:p>
+          <a:p>
+            <a:r>
+              <a:rPr lang="en-US" sz="1000" dirty="0" smtClean="0">
+                <a:solidFill>
+                  <a:schemeClr val="bg1">
+                    <a:lumMod val="50000"/>
+                  </a:schemeClr>
+                </a:solidFill>
+                <a:latin typeface="Lucida Sans Unicode" pitchFamily="34" charset="0"/>
+                <a:cs typeface="Lucida Sans Unicode" pitchFamily="34" charset="0"/>
+              </a:rPr>
+              <a:t>The iterative model is a key element of the so-called “flexible” (Agile)</a:t>
+            </a:r>
+            <a:endParaRPr lang="ru-RU" sz="1000" dirty="0">
+              <a:solidFill>
+                <a:schemeClr val="bg1">
+                  <a:lumMod val="50000"/>
+                </a:schemeClr>
+              </a:solidFill>
+              <a:latin typeface="Lucida Sans Unicode" pitchFamily="34" charset="0"/>
+              <a:cs typeface="Lucida Sans Unicode" pitchFamily="34" charset="0"/>
+            </a:endParaRPr>
+          </a:p>
+        </p:txBody>
+      </p:sp>
+      <p:pic>
+        <p:nvPicPr>
+          <p:cNvPr id="6" name="Рисунок 5" descr="limbo-dance-260nw-130749200.jpg"/>
+          <p:cNvPicPr>
+            <a:picLocks noChangeAspect="1"/>
+          </p:cNvPicPr>
+          <p:nvPr/>
+        </p:nvPicPr>
+        <p:blipFill>
+          <a:blip r:embed="rId3"/>
+          <a:stretch>
+            <a:fillRect/>
+          </a:stretch>
+        </p:blipFill>
+        <p:spPr>
+          <a:xfrm>
+            <a:off x="6215074" y="1571612"/>
+            <a:ext cx="2268540" cy="2110270"/>
+          </a:xfrm>
+          <a:prstGeom prst="rect">
+            <a:avLst/>
+          </a:prstGeom>
+        </p:spPr>
+      </p:pic>
+      <p:pic>
+        <p:nvPicPr>
+          <p:cNvPr id="7" name="Рисунок 6" descr="Galaxy_Fold_Keyvisual_contrast.png"/>
+          <p:cNvPicPr>
+            <a:picLocks noChangeAspect="1"/>
+          </p:cNvPicPr>
+          <p:nvPr/>
+        </p:nvPicPr>
+        <p:blipFill>
+          <a:blip r:embed="rId4" cstate="print"/>
+          <a:stretch>
+            <a:fillRect/>
+          </a:stretch>
+        </p:blipFill>
+        <p:spPr>
+          <a:xfrm>
+            <a:off x="500034" y="3714752"/>
+            <a:ext cx="3047993" cy="2294959"/>
+          </a:xfrm>
+          <a:prstGeom prst="rect">
+            <a:avLst/>
+          </a:prstGeom>
+        </p:spPr>
+      </p:pic>
+      <p:sp>
+        <p:nvSpPr>
+          <p:cNvPr id="8" name="Прямоугольник 7"/>
+          <p:cNvSpPr/>
+          <p:nvPr/>
+        </p:nvSpPr>
+        <p:spPr>
+          <a:xfrm>
+            <a:off x="1071538" y="5857892"/>
+            <a:ext cx="1963999" cy="246221"/>
+          </a:xfrm>
+          <a:prstGeom prst="rect">
+            <a:avLst/>
+          </a:prstGeom>
+        </p:spPr>
+        <p:txBody>
+          <a:bodyPr wrap="none">
+            <a:spAutoFit/>
+          </a:bodyPr>
+          <a:lstStyle/>
+          <a:p>
+            <a:r>
+              <a:rPr lang="en-US" sz="1000" dirty="0" smtClean="0">
+                <a:solidFill>
+                  <a:schemeClr val="bg1">
+                    <a:lumMod val="50000"/>
+                  </a:schemeClr>
+                </a:solidFill>
+                <a:latin typeface="Bahnschrift SemiLight Condensed" pitchFamily="34" charset="0"/>
+              </a:rPr>
+              <a:t>Samsung Fold - large and flexible project</a:t>
+            </a:r>
+            <a:r>
+              <a:rPr lang="ru-RU" sz="1000" dirty="0" smtClean="0">
+                <a:solidFill>
+                  <a:schemeClr val="bg1">
+                    <a:lumMod val="50000"/>
+                  </a:schemeClr>
+                </a:solidFill>
+                <a:latin typeface="Bahnschrift SemiLight Condensed" pitchFamily="34" charset="0"/>
+              </a:rPr>
+              <a:t>…</a:t>
+            </a:r>
+            <a:endParaRPr lang="ru-RU" sz="1000" dirty="0">
+              <a:solidFill>
+                <a:schemeClr val="bg1">
+                  <a:lumMod val="50000"/>
+                </a:schemeClr>
+              </a:solidFill>
+              <a:latin typeface="Bahnschrift SemiLight Condensed" pitchFamily="34" charset="0"/>
+            </a:endParaRPr>
           </a:p>
         </p:txBody>
       </p:sp>
@@ -4265,178 +5622,507 @@
         </p:nvSpPr>
         <p:spPr/>
         <p:txBody>
-          <a:bodyPr/>
-          <a:lstStyle/>
-          <a:p>
-            <a:r>
-              <a:rPr lang="en-US" dirty="0" smtClean="0"/>
-              <a:t>Advantages - </a:t>
-            </a:r>
-            <a:r>
-              <a:rPr lang="en-US" b="1" dirty="0" smtClean="0"/>
-              <a:t>Spiral model</a:t>
-            </a:r>
+          <a:bodyPr>
+            <a:normAutofit fontScale="90000"/>
+          </a:bodyPr>
+          <a:lstStyle/>
+          <a:p>
+            <a:r>
+              <a:rPr lang="en-US" sz="4900" dirty="0" smtClean="0">
+                <a:solidFill>
+                  <a:srgbClr val="00B050"/>
+                </a:solidFill>
+                <a:latin typeface="Bahnschrift SemiLight Condensed" pitchFamily="34" charset="0"/>
+              </a:rPr>
+              <a:t>~ Spiral ~</a:t>
+            </a:r>
+            <a:r>
+              <a:rPr lang="ru-RU" dirty="0" smtClean="0">
+                <a:solidFill>
+                  <a:srgbClr val="00B050"/>
+                </a:solidFill>
+                <a:latin typeface="Bahnschrift SemiLight Condensed" pitchFamily="34" charset="0"/>
+              </a:rPr>
+              <a:t/>
+            </a:r>
+            <a:br>
+              <a:rPr lang="ru-RU" dirty="0" smtClean="0">
+                <a:solidFill>
+                  <a:srgbClr val="00B050"/>
+                </a:solidFill>
+                <a:latin typeface="Bahnschrift SemiLight Condensed" pitchFamily="34" charset="0"/>
+              </a:rPr>
+            </a:br>
+            <a:r>
+              <a:rPr lang="en-US" sz="3100" dirty="0" smtClean="0">
+                <a:solidFill>
+                  <a:srgbClr val="00B050"/>
+                </a:solidFill>
+                <a:latin typeface="Bahnschrift SemiLight Condensed" pitchFamily="34" charset="0"/>
+              </a:rPr>
+              <a:t>Pros and cons of the spiral model:</a:t>
+            </a:r>
+            <a:endParaRPr lang="ru-RU" sz="3100" dirty="0"/>
+          </a:p>
+        </p:txBody>
+      </p:sp>
+      <p:sp>
+        <p:nvSpPr>
+          <p:cNvPr id="4" name="Содержимое 3"/>
+          <p:cNvSpPr>
+            <a:spLocks noGrp="1"/>
+          </p:cNvSpPr>
+          <p:nvPr>
+            <p:ph idx="1"/>
+          </p:nvPr>
+        </p:nvSpPr>
+        <p:spPr>
+          <a:xfrm rot="10800000" flipV="1">
+            <a:off x="428596" y="1714488"/>
+            <a:ext cx="5715040" cy="2643207"/>
+          </a:xfrm>
+        </p:spPr>
+        <p:txBody>
+          <a:bodyPr>
+            <a:normAutofit/>
+          </a:bodyPr>
+          <a:lstStyle/>
+          <a:p>
+            <a:pPr>
+              <a:buNone/>
+            </a:pPr>
+            <a:r>
+              <a:rPr lang="en-US" sz="1200" b="1" dirty="0" smtClean="0">
+                <a:solidFill>
+                  <a:srgbClr val="00B050"/>
+                </a:solidFill>
+                <a:latin typeface="Lucida Sans Unicode" pitchFamily="34" charset="0"/>
+                <a:cs typeface="Lucida Sans Unicode" pitchFamily="34" charset="0"/>
+              </a:rPr>
+              <a:t>+</a:t>
+            </a:r>
+            <a:r>
+              <a:rPr lang="en-US" sz="1200" dirty="0" smtClean="0">
+                <a:solidFill>
+                  <a:schemeClr val="bg1">
+                    <a:lumMod val="50000"/>
+                  </a:schemeClr>
+                </a:solidFill>
+                <a:latin typeface="Lucida Sans Unicode" pitchFamily="34" charset="0"/>
+                <a:cs typeface="Lucida Sans Unicode" pitchFamily="34" charset="0"/>
+              </a:rPr>
+              <a:t> Improved risk analysis;</a:t>
+            </a:r>
+          </a:p>
+          <a:p>
+            <a:pPr>
+              <a:buNone/>
+            </a:pPr>
+            <a:r>
+              <a:rPr lang="en-US" sz="1200" b="1" dirty="0" smtClean="0">
+                <a:solidFill>
+                  <a:srgbClr val="00B050"/>
+                </a:solidFill>
+                <a:latin typeface="Lucida Sans Unicode" pitchFamily="34" charset="0"/>
+                <a:cs typeface="Lucida Sans Unicode" pitchFamily="34" charset="0"/>
+              </a:rPr>
+              <a:t>+</a:t>
+            </a:r>
+            <a:r>
+              <a:rPr lang="en-US" sz="1200" dirty="0" smtClean="0">
+                <a:solidFill>
+                  <a:schemeClr val="bg1">
+                    <a:lumMod val="50000"/>
+                  </a:schemeClr>
+                </a:solidFill>
+                <a:latin typeface="Lucida Sans Unicode" pitchFamily="34" charset="0"/>
+                <a:cs typeface="Lucida Sans Unicode" pitchFamily="34" charset="0"/>
+              </a:rPr>
+              <a:t> Good documentation of the development process;</a:t>
+            </a:r>
+          </a:p>
+          <a:p>
+            <a:pPr>
+              <a:buNone/>
+            </a:pPr>
+            <a:r>
+              <a:rPr lang="en-US" sz="1200" b="1" dirty="0" smtClean="0">
+                <a:solidFill>
+                  <a:srgbClr val="00B050"/>
+                </a:solidFill>
+                <a:latin typeface="Lucida Sans Unicode" pitchFamily="34" charset="0"/>
+                <a:cs typeface="Lucida Sans Unicode" pitchFamily="34" charset="0"/>
+              </a:rPr>
+              <a:t>+</a:t>
+            </a:r>
+            <a:r>
+              <a:rPr lang="en-US" sz="1200" dirty="0" smtClean="0">
+                <a:solidFill>
+                  <a:schemeClr val="bg1">
+                    <a:lumMod val="50000"/>
+                  </a:schemeClr>
+                </a:solidFill>
+                <a:latin typeface="Lucida Sans Unicode" pitchFamily="34" charset="0"/>
+                <a:cs typeface="Lucida Sans Unicode" pitchFamily="34" charset="0"/>
+              </a:rPr>
+              <a:t> Flexibility - the ability to make changes and add new functionality even at relatively late stages;</a:t>
+            </a:r>
+          </a:p>
+          <a:p>
+            <a:pPr>
+              <a:buNone/>
+            </a:pPr>
+            <a:r>
+              <a:rPr lang="en-US" sz="1200" b="1" dirty="0" smtClean="0">
+                <a:solidFill>
+                  <a:srgbClr val="00B050"/>
+                </a:solidFill>
+                <a:latin typeface="Lucida Sans Unicode" pitchFamily="34" charset="0"/>
+                <a:cs typeface="Lucida Sans Unicode" pitchFamily="34" charset="0"/>
+              </a:rPr>
+              <a:t>+</a:t>
+            </a:r>
+            <a:r>
+              <a:rPr lang="en-US" sz="1200" dirty="0" smtClean="0">
+                <a:solidFill>
+                  <a:schemeClr val="bg1">
+                    <a:lumMod val="50000"/>
+                  </a:schemeClr>
+                </a:solidFill>
+                <a:latin typeface="Lucida Sans Unicode" pitchFamily="34" charset="0"/>
+                <a:cs typeface="Lucida Sans Unicode" pitchFamily="34" charset="0"/>
+              </a:rPr>
+              <a:t> Early creation of working prototypes.</a:t>
+            </a:r>
+          </a:p>
+          <a:p>
+            <a:pPr>
+              <a:buNone/>
+            </a:pPr>
+            <a:endParaRPr lang="en-US" sz="1200" dirty="0" smtClean="0">
+              <a:solidFill>
+                <a:schemeClr val="bg1">
+                  <a:lumMod val="50000"/>
+                </a:schemeClr>
+              </a:solidFill>
+              <a:latin typeface="Lucida Sans Unicode" pitchFamily="34" charset="0"/>
+              <a:cs typeface="Lucida Sans Unicode" pitchFamily="34" charset="0"/>
+            </a:endParaRPr>
+          </a:p>
+          <a:p>
+            <a:pPr>
+              <a:buNone/>
+            </a:pPr>
+            <a:r>
+              <a:rPr lang="en-US" sz="1200" b="1" dirty="0" smtClean="0">
+                <a:solidFill>
+                  <a:srgbClr val="FF0000"/>
+                </a:solidFill>
+                <a:latin typeface="Lucida Sans Unicode" pitchFamily="34" charset="0"/>
+                <a:cs typeface="Lucida Sans Unicode" pitchFamily="34" charset="0"/>
+              </a:rPr>
+              <a:t>-</a:t>
+            </a:r>
+            <a:r>
+              <a:rPr lang="en-US" sz="1200" dirty="0" smtClean="0">
+                <a:solidFill>
+                  <a:schemeClr val="bg1">
+                    <a:lumMod val="50000"/>
+                  </a:schemeClr>
+                </a:solidFill>
+                <a:latin typeface="Lucida Sans Unicode" pitchFamily="34" charset="0"/>
+                <a:cs typeface="Lucida Sans Unicode" pitchFamily="34" charset="0"/>
+              </a:rPr>
+              <a:t> Can be quite expensive to use;</a:t>
+            </a:r>
+          </a:p>
+          <a:p>
+            <a:pPr>
+              <a:buNone/>
+            </a:pPr>
+            <a:r>
+              <a:rPr lang="en-US" sz="1200" b="1" dirty="0" smtClean="0">
+                <a:solidFill>
+                  <a:srgbClr val="FF0000"/>
+                </a:solidFill>
+                <a:latin typeface="Lucida Sans Unicode" pitchFamily="34" charset="0"/>
+                <a:cs typeface="Lucida Sans Unicode" pitchFamily="34" charset="0"/>
+              </a:rPr>
+              <a:t>-</a:t>
+            </a:r>
+            <a:r>
+              <a:rPr lang="en-US" sz="1200" dirty="0" smtClean="0">
+                <a:solidFill>
+                  <a:schemeClr val="bg1">
+                    <a:lumMod val="50000"/>
+                  </a:schemeClr>
+                </a:solidFill>
+                <a:latin typeface="Lucida Sans Unicode" pitchFamily="34" charset="0"/>
+                <a:cs typeface="Lucida Sans Unicode" pitchFamily="34" charset="0"/>
+              </a:rPr>
+              <a:t> Risk management requires the involvement of highly qualified specialists;</a:t>
+            </a:r>
+          </a:p>
+          <a:p>
+            <a:pPr>
+              <a:buNone/>
+            </a:pPr>
+            <a:r>
+              <a:rPr lang="en-US" sz="1200" b="1" dirty="0" smtClean="0">
+                <a:solidFill>
+                  <a:srgbClr val="FF0000"/>
+                </a:solidFill>
+                <a:latin typeface="Lucida Sans Unicode" pitchFamily="34" charset="0"/>
+                <a:cs typeface="Lucida Sans Unicode" pitchFamily="34" charset="0"/>
+              </a:rPr>
+              <a:t>-</a:t>
+            </a:r>
+            <a:r>
+              <a:rPr lang="en-US" sz="1200" dirty="0" smtClean="0">
+                <a:solidFill>
+                  <a:schemeClr val="bg1">
+                    <a:lumMod val="50000"/>
+                  </a:schemeClr>
+                </a:solidFill>
+                <a:latin typeface="Lucida Sans Unicode" pitchFamily="34" charset="0"/>
+                <a:cs typeface="Lucida Sans Unicode" pitchFamily="34" charset="0"/>
+              </a:rPr>
+              <a:t> The success of the process largely depends on the stage of risk analysis;</a:t>
+            </a:r>
+          </a:p>
+          <a:p>
+            <a:pPr>
+              <a:buNone/>
+            </a:pPr>
+            <a:r>
+              <a:rPr lang="en-US" sz="1200" b="1" dirty="0" smtClean="0">
+                <a:solidFill>
+                  <a:srgbClr val="FF0000"/>
+                </a:solidFill>
+                <a:latin typeface="Lucida Sans Unicode" pitchFamily="34" charset="0"/>
+                <a:cs typeface="Lucida Sans Unicode" pitchFamily="34" charset="0"/>
+              </a:rPr>
+              <a:t>-</a:t>
+            </a:r>
+            <a:r>
+              <a:rPr lang="en-US" sz="1200" dirty="0" smtClean="0">
+                <a:solidFill>
+                  <a:schemeClr val="bg1">
+                    <a:lumMod val="50000"/>
+                  </a:schemeClr>
+                </a:solidFill>
+                <a:latin typeface="Lucida Sans Unicode" pitchFamily="34" charset="0"/>
+                <a:cs typeface="Lucida Sans Unicode" pitchFamily="34" charset="0"/>
+              </a:rPr>
+              <a:t> Not suitable for small projects.</a:t>
+            </a:r>
+          </a:p>
+          <a:p>
+            <a:pPr>
+              <a:buNone/>
+            </a:pPr>
             <a:endParaRPr lang="ru-RU" dirty="0"/>
           </a:p>
         </p:txBody>
       </p:sp>
       <p:sp>
         <p:nvSpPr>
-          <p:cNvPr id="3" name="Содержимое 2"/>
-          <p:cNvSpPr>
-            <a:spLocks noGrp="1"/>
-          </p:cNvSpPr>
-          <p:nvPr>
-            <p:ph idx="1"/>
-          </p:nvPr>
-        </p:nvSpPr>
-        <p:spPr/>
+          <p:cNvPr id="5" name="Прямоугольник 4"/>
+          <p:cNvSpPr/>
+          <p:nvPr/>
+        </p:nvSpPr>
+        <p:spPr>
+          <a:xfrm>
+            <a:off x="3857620" y="4429132"/>
+            <a:ext cx="4572000" cy="1815882"/>
+          </a:xfrm>
+          <a:prstGeom prst="rect">
+            <a:avLst/>
+          </a:prstGeom>
+        </p:spPr>
         <p:txBody>
           <a:bodyPr>
-            <a:noAutofit/>
+            <a:spAutoFit/>
           </a:bodyPr>
           <a:lstStyle/>
           <a:p>
             <a:r>
-              <a:rPr lang="en-US" sz="1400" dirty="0" smtClean="0"/>
-              <a:t>the presence of risk analysis actions, which ensures their reduction and early determination of insurmountable risks</a:t>
-            </a:r>
-            <a:r>
-              <a:rPr lang="en-US" sz="1400" dirty="0" smtClean="0"/>
-              <a:t>;</a:t>
-            </a:r>
-            <a:endParaRPr lang="en-US" sz="1400" dirty="0" smtClean="0"/>
-          </a:p>
-          <a:p>
-            <a:r>
-              <a:rPr lang="en-US" sz="1400" dirty="0" smtClean="0"/>
-              <a:t>ensuring the partitioning of a large potential scope of project implementation into small parts</a:t>
-            </a:r>
-            <a:r>
-              <a:rPr lang="en-US" sz="1400" dirty="0" smtClean="0"/>
-              <a:t>;</a:t>
-            </a:r>
-            <a:endParaRPr lang="en-US" sz="1400" dirty="0" smtClean="0"/>
-          </a:p>
-          <a:p>
-            <a:r>
-              <a:rPr lang="en-US" sz="1400" dirty="0" smtClean="0"/>
-              <a:t>the priority of the implementation of crucial functions with a high degree of risk, which allows, if necessary, to stop work on the project in the early cycles of the model and reduce costs</a:t>
-            </a:r>
-            <a:r>
-              <a:rPr lang="en-US" sz="1400" dirty="0" smtClean="0"/>
-              <a:t>;</a:t>
-            </a:r>
-            <a:endParaRPr lang="en-US" sz="1400" dirty="0" smtClean="0"/>
-          </a:p>
-          <a:p>
-            <a:r>
-              <a:rPr lang="en-US" sz="1400" dirty="0" smtClean="0"/>
-              <a:t>flexible design capability based on the advantages of a cascade model while simultaneously resolving iterations</a:t>
-            </a:r>
-            <a:r>
-              <a:rPr lang="en-US" sz="1400" dirty="0" smtClean="0"/>
-              <a:t>;</a:t>
-            </a:r>
-            <a:endParaRPr lang="en-US" sz="1400" dirty="0" smtClean="0"/>
-          </a:p>
-          <a:p>
-            <a:r>
-              <a:rPr lang="en-US" sz="1400" dirty="0" smtClean="0"/>
-              <a:t>Realization of the benefits of the incremental model (incremental output, shorter work schedule, unchanged resources with a gradual growth of the system</a:t>
-            </a:r>
-            <a:r>
-              <a:rPr lang="en-US" sz="1400" dirty="0" smtClean="0"/>
-              <a:t>);</a:t>
-            </a:r>
-            <a:endParaRPr lang="en-US" sz="1400" dirty="0" smtClean="0"/>
-          </a:p>
-          <a:p>
-            <a:r>
-              <a:rPr lang="en-US" sz="1400" dirty="0" smtClean="0"/>
-              <a:t>implementation of communication with the user with high frequency and in the early stages of the model, which ensures the creation of the desired high quality product</a:t>
-            </a:r>
-            <a:r>
-              <a:rPr lang="en-US" sz="1400" dirty="0" smtClean="0"/>
-              <a:t>;</a:t>
-            </a:r>
-            <a:endParaRPr lang="en-US" sz="1400" dirty="0" smtClean="0"/>
-          </a:p>
-          <a:p>
-            <a:r>
-              <a:rPr lang="en-US" sz="1400" dirty="0" smtClean="0"/>
-              <a:t>possibility of user evaluation of the system at the early stages, due to the use of accelerated prototyping in the development life cycle</a:t>
-            </a:r>
-            <a:r>
-              <a:rPr lang="en-US" sz="1400" dirty="0" smtClean="0"/>
-              <a:t>;</a:t>
-            </a:r>
-            <a:endParaRPr lang="en-US" sz="1400" dirty="0" smtClean="0"/>
-          </a:p>
-          <a:p>
-            <a:r>
-              <a:rPr lang="en-US" sz="1400" dirty="0" smtClean="0"/>
-              <a:t>opportunity for users to participate in planning, risk analysis, design, development, implementation of assessment activities</a:t>
-            </a:r>
-            <a:r>
-              <a:rPr lang="en-US" sz="1400" dirty="0" smtClean="0"/>
-              <a:t>;</a:t>
-            </a:r>
-            <a:endParaRPr lang="en-US" sz="1400" dirty="0" smtClean="0"/>
-          </a:p>
-          <a:p>
-            <a:r>
-              <a:rPr lang="en-US" sz="1400" dirty="0" smtClean="0"/>
-              <a:t>improvement of the administrative management of development life cycle processes, costs, compliance with the schedule and staffing, which is achieved by performing an analysis (review) at the end of each iteration</a:t>
-            </a:r>
-            <a:r>
-              <a:rPr lang="en-US" sz="1400" dirty="0" smtClean="0"/>
-              <a:t>;</a:t>
-            </a:r>
-            <a:endParaRPr lang="en-US" sz="1400" dirty="0" smtClean="0"/>
-          </a:p>
-          <a:p>
-            <a:r>
-              <a:rPr lang="en-US" sz="1400" dirty="0" smtClean="0"/>
-              <a:t>increased productivity through the use of reusable results</a:t>
-            </a:r>
-            <a:r>
-              <a:rPr lang="en-US" sz="1400" dirty="0" smtClean="0"/>
-              <a:t>;</a:t>
-            </a:r>
-            <a:endParaRPr lang="en-US" sz="1400" dirty="0" smtClean="0"/>
-          </a:p>
-          <a:p>
-            <a:r>
-              <a:rPr lang="en-US" sz="1400" dirty="0" smtClean="0"/>
-              <a:t>increase the likelihood of predictable system behavior by clarifying goals</a:t>
-            </a:r>
-            <a:r>
-              <a:rPr lang="en-US" sz="1400" dirty="0" smtClean="0"/>
-              <a:t>;</a:t>
-            </a:r>
-            <a:endParaRPr lang="en-US" sz="1400" dirty="0" smtClean="0"/>
-          </a:p>
-          <a:p>
-            <a:r>
-              <a:rPr lang="en-US" sz="1400" dirty="0" smtClean="0"/>
-              <a:t>no need for a preliminary allocation of all necessary financial resources for the project</a:t>
-            </a:r>
-            <a:r>
-              <a:rPr lang="en-US" sz="1400" dirty="0" smtClean="0"/>
-              <a:t>;</a:t>
-            </a:r>
-            <a:endParaRPr lang="en-US" sz="1400" dirty="0" smtClean="0"/>
-          </a:p>
-          <a:p>
-            <a:r>
-              <a:rPr lang="en-US" sz="1400" dirty="0" smtClean="0"/>
-              <a:t>the possibility of regularly estimating total costs, which results in their overall reduction.</a:t>
-            </a:r>
-            <a:endParaRPr lang="ru-RU" sz="1400" dirty="0"/>
-          </a:p>
-        </p:txBody>
-      </p:sp>
+              <a:rPr lang="en-US" sz="2800" dirty="0" smtClean="0">
+                <a:solidFill>
+                  <a:srgbClr val="00B050"/>
+                </a:solidFill>
+                <a:latin typeface="Bahnschrift SemiLight Condensed" pitchFamily="34" charset="0"/>
+                <a:cs typeface="Lucida Sans Unicode" pitchFamily="34" charset="0"/>
+              </a:rPr>
+              <a:t>When to use the spiral model:</a:t>
+            </a:r>
+          </a:p>
+          <a:p>
+            <a:endParaRPr lang="en-US" sz="1200" dirty="0" smtClean="0">
+              <a:solidFill>
+                <a:schemeClr val="bg1">
+                  <a:lumMod val="50000"/>
+                </a:schemeClr>
+              </a:solidFill>
+              <a:latin typeface="Lucida Sans Unicode" pitchFamily="34" charset="0"/>
+              <a:cs typeface="Lucida Sans Unicode" pitchFamily="34" charset="0"/>
+            </a:endParaRPr>
+          </a:p>
+          <a:p>
+            <a:pPr>
+              <a:buFontTx/>
+              <a:buChar char="-"/>
+            </a:pPr>
+            <a:r>
+              <a:rPr lang="en-US" sz="1200" dirty="0" smtClean="0">
+                <a:solidFill>
+                  <a:schemeClr val="bg1">
+                    <a:lumMod val="50000"/>
+                  </a:schemeClr>
+                </a:solidFill>
+                <a:latin typeface="Lucida Sans Unicode" pitchFamily="34" charset="0"/>
+                <a:cs typeface="Lucida Sans Unicode" pitchFamily="34" charset="0"/>
+              </a:rPr>
+              <a:t>When risk and cost analysis is important;</a:t>
+            </a:r>
+          </a:p>
+          <a:p>
+            <a:endParaRPr lang="en-US" sz="1200" dirty="0" smtClean="0">
+              <a:solidFill>
+                <a:schemeClr val="bg1">
+                  <a:lumMod val="50000"/>
+                </a:schemeClr>
+              </a:solidFill>
+              <a:latin typeface="Lucida Sans Unicode" pitchFamily="34" charset="0"/>
+              <a:cs typeface="Lucida Sans Unicode" pitchFamily="34" charset="0"/>
+            </a:endParaRPr>
+          </a:p>
+          <a:p>
+            <a:pPr>
+              <a:buFontTx/>
+              <a:buChar char="-"/>
+            </a:pPr>
+            <a:r>
+              <a:rPr lang="en-US" sz="1200" dirty="0" smtClean="0">
+                <a:solidFill>
+                  <a:schemeClr val="bg1">
+                    <a:lumMod val="50000"/>
+                  </a:schemeClr>
+                </a:solidFill>
+                <a:latin typeface="Lucida Sans Unicode" pitchFamily="34" charset="0"/>
+                <a:cs typeface="Lucida Sans Unicode" pitchFamily="34" charset="0"/>
+              </a:rPr>
+              <a:t>Large long-term projects with no clear requirements or the likelihood of their dynamic change;</a:t>
+            </a:r>
+          </a:p>
+          <a:p>
+            <a:endParaRPr lang="en-US" sz="1200" dirty="0" smtClean="0">
+              <a:solidFill>
+                <a:schemeClr val="bg1">
+                  <a:lumMod val="50000"/>
+                </a:schemeClr>
+              </a:solidFill>
+              <a:latin typeface="Lucida Sans Unicode" pitchFamily="34" charset="0"/>
+              <a:cs typeface="Lucida Sans Unicode" pitchFamily="34" charset="0"/>
+            </a:endParaRPr>
+          </a:p>
+          <a:p>
+            <a:r>
+              <a:rPr lang="en-US" sz="1200" dirty="0" smtClean="0">
+                <a:solidFill>
+                  <a:schemeClr val="bg1">
+                    <a:lumMod val="50000"/>
+                  </a:schemeClr>
+                </a:solidFill>
+                <a:latin typeface="Lucida Sans Unicode" pitchFamily="34" charset="0"/>
+                <a:cs typeface="Lucida Sans Unicode" pitchFamily="34" charset="0"/>
+              </a:rPr>
+              <a:t>- When developing a new product line.</a:t>
+            </a:r>
+            <a:endParaRPr lang="ru-RU" sz="1200" dirty="0">
+              <a:solidFill>
+                <a:schemeClr val="bg1">
+                  <a:lumMod val="50000"/>
+                </a:schemeClr>
+              </a:solidFill>
+              <a:latin typeface="Lucida Sans Unicode" pitchFamily="34" charset="0"/>
+              <a:cs typeface="Lucida Sans Unicode" pitchFamily="34" charset="0"/>
+            </a:endParaRPr>
+          </a:p>
+        </p:txBody>
+      </p:sp>
+      <p:pic>
+        <p:nvPicPr>
+          <p:cNvPr id="6" name="Рисунок 5" descr="a0a1acd394df7d70e2cd303f87499bb01b08cf25.png"/>
+          <p:cNvPicPr>
+            <a:picLocks noChangeAspect="1"/>
+          </p:cNvPicPr>
+          <p:nvPr/>
+        </p:nvPicPr>
+        <p:blipFill>
+          <a:blip r:embed="rId2"/>
+          <a:stretch>
+            <a:fillRect/>
+          </a:stretch>
+        </p:blipFill>
+        <p:spPr>
+          <a:xfrm>
+            <a:off x="6286512" y="1857364"/>
+            <a:ext cx="2305049" cy="2305049"/>
+          </a:xfrm>
+          <a:prstGeom prst="rect">
+            <a:avLst/>
+          </a:prstGeom>
+        </p:spPr>
+      </p:pic>
+      <p:pic>
+        <p:nvPicPr>
+          <p:cNvPr id="7" name="Рисунок 6" descr="happymurloc.com_wow_p_1.jpg"/>
+          <p:cNvPicPr>
+            <a:picLocks noChangeAspect="1"/>
+          </p:cNvPicPr>
+          <p:nvPr/>
+        </p:nvPicPr>
+        <p:blipFill>
+          <a:blip r:embed="rId3"/>
+          <a:stretch>
+            <a:fillRect/>
+          </a:stretch>
+        </p:blipFill>
+        <p:spPr>
+          <a:xfrm>
+            <a:off x="857224" y="4357694"/>
+            <a:ext cx="2214578" cy="2214578"/>
+          </a:xfrm>
+          <a:prstGeom prst="rect">
+            <a:avLst/>
+          </a:prstGeom>
+        </p:spPr>
+      </p:pic>
+      <p:pic>
+        <p:nvPicPr>
+          <p:cNvPr id="8" name="Рисунок 7" descr="Image [8].jpg"/>
+          <p:cNvPicPr>
+            <a:picLocks noChangeAspect="1"/>
+          </p:cNvPicPr>
+          <p:nvPr/>
+        </p:nvPicPr>
+        <p:blipFill>
+          <a:blip r:embed="rId4"/>
+          <a:stretch>
+            <a:fillRect/>
+          </a:stretch>
+        </p:blipFill>
+        <p:spPr>
+          <a:xfrm>
+            <a:off x="928662" y="285728"/>
+            <a:ext cx="1287508" cy="1317450"/>
+          </a:xfrm>
+          <a:prstGeom prst="rect">
+            <a:avLst/>
+          </a:prstGeom>
+        </p:spPr>
+      </p:pic>
     </p:spTree>
   </p:cSld>
   <p:clrMapOvr>
@@ -4474,134 +6160,492 @@
         </p:nvSpPr>
         <p:spPr/>
         <p:txBody>
-          <a:bodyPr/>
-          <a:lstStyle/>
-          <a:p>
-            <a:r>
-              <a:rPr lang="en-US" dirty="0" smtClean="0"/>
-              <a:t>Limitations - </a:t>
-            </a:r>
-            <a:r>
-              <a:rPr lang="en-US" b="1" dirty="0" smtClean="0"/>
-              <a:t>Spiral model</a:t>
-            </a:r>
-            <a:endParaRPr lang="ru-RU" dirty="0"/>
-          </a:p>
-        </p:txBody>
-      </p:sp>
-      <p:sp>
-        <p:nvSpPr>
-          <p:cNvPr id="3" name="Содержимое 2"/>
-          <p:cNvSpPr>
-            <a:spLocks noGrp="1"/>
-          </p:cNvSpPr>
+          <a:bodyPr>
+            <a:normAutofit fontScale="90000"/>
+          </a:bodyPr>
+          <a:lstStyle/>
+          <a:p>
+            <a:r>
+              <a:rPr lang="en-US" dirty="0" smtClean="0">
+                <a:solidFill>
+                  <a:srgbClr val="00B050"/>
+                </a:solidFill>
+                <a:latin typeface="Bahnschrift SemiLight Condensed" pitchFamily="34" charset="0"/>
+              </a:rPr>
+              <a:t>~ </a:t>
+            </a:r>
+            <a:r>
+              <a:rPr lang="ru-RU" dirty="0" smtClean="0">
+                <a:solidFill>
+                  <a:srgbClr val="00B050"/>
+                </a:solidFill>
+                <a:latin typeface="Bahnschrift SemiLight Condensed" pitchFamily="34" charset="0"/>
+              </a:rPr>
+              <a:t>V-</a:t>
+            </a:r>
+            <a:r>
+              <a:rPr lang="en-US" dirty="0" smtClean="0">
+                <a:solidFill>
+                  <a:srgbClr val="00B050"/>
+                </a:solidFill>
+                <a:latin typeface="Bahnschrift SemiLight Condensed" pitchFamily="34" charset="0"/>
+              </a:rPr>
+              <a:t>M</a:t>
+            </a:r>
+            <a:r>
+              <a:rPr lang="ru-RU" dirty="0" err="1" smtClean="0">
+                <a:solidFill>
+                  <a:srgbClr val="00B050"/>
+                </a:solidFill>
+                <a:latin typeface="Bahnschrift SemiLight Condensed" pitchFamily="34" charset="0"/>
+              </a:rPr>
+              <a:t>odel</a:t>
+            </a:r>
+            <a:r>
+              <a:rPr lang="en-US" dirty="0" smtClean="0">
+                <a:solidFill>
+                  <a:srgbClr val="00B050"/>
+                </a:solidFill>
+                <a:latin typeface="Bahnschrift SemiLight Condensed" pitchFamily="34" charset="0"/>
+              </a:rPr>
+              <a:t> ~</a:t>
+            </a:r>
+            <a:r>
+              <a:rPr lang="ru-RU" dirty="0" smtClean="0">
+                <a:solidFill>
+                  <a:srgbClr val="00B050"/>
+                </a:solidFill>
+                <a:latin typeface="Bahnschrift SemiLight Condensed" pitchFamily="34" charset="0"/>
+              </a:rPr>
+              <a:t/>
+            </a:r>
+            <a:br>
+              <a:rPr lang="ru-RU" dirty="0" smtClean="0">
+                <a:solidFill>
+                  <a:srgbClr val="00B050"/>
+                </a:solidFill>
+                <a:latin typeface="Bahnschrift SemiLight Condensed" pitchFamily="34" charset="0"/>
+              </a:rPr>
+            </a:br>
+            <a:r>
+              <a:rPr lang="en-US" sz="3100" dirty="0" smtClean="0">
+                <a:solidFill>
+                  <a:srgbClr val="00B050"/>
+                </a:solidFill>
+                <a:latin typeface="Bahnschrift SemiLight Condensed" pitchFamily="34" charset="0"/>
+              </a:rPr>
+              <a:t>Pros and cons of the V-model:</a:t>
+            </a:r>
+            <a:endParaRPr lang="ru-RU" sz="3100" dirty="0">
+              <a:latin typeface="Bahnschrift SemiLight Condensed" pitchFamily="34" charset="0"/>
+            </a:endParaRPr>
+          </a:p>
+        </p:txBody>
+      </p:sp>
+      <p:pic>
+        <p:nvPicPr>
+          <p:cNvPr id="4" name="Содержимое 3" descr="Image [9].jpg"/>
+          <p:cNvPicPr>
+            <a:picLocks noGrp="1" noChangeAspect="1"/>
+          </p:cNvPicPr>
           <p:nvPr>
             <p:ph idx="1"/>
           </p:nvPr>
-        </p:nvSpPr>
-        <p:spPr/>
+        </p:nvPicPr>
+        <p:blipFill>
+          <a:blip r:embed="rId2"/>
+          <a:stretch>
+            <a:fillRect/>
+          </a:stretch>
+        </p:blipFill>
+        <p:spPr>
+          <a:xfrm>
+            <a:off x="1000100" y="142852"/>
+            <a:ext cx="1357322" cy="1442688"/>
+          </a:xfrm>
+        </p:spPr>
+      </p:pic>
+      <p:sp>
+        <p:nvSpPr>
+          <p:cNvPr id="5" name="Прямоугольник 4"/>
+          <p:cNvSpPr/>
+          <p:nvPr/>
+        </p:nvSpPr>
+        <p:spPr>
+          <a:xfrm>
+            <a:off x="428596" y="1857364"/>
+            <a:ext cx="5072098" cy="1785104"/>
+          </a:xfrm>
+          <a:prstGeom prst="rect">
+            <a:avLst/>
+          </a:prstGeom>
+        </p:spPr>
+        <p:txBody>
+          <a:bodyPr wrap="square">
+            <a:spAutoFit/>
+          </a:bodyPr>
+          <a:lstStyle/>
+          <a:p>
+            <a:r>
+              <a:rPr lang="en-US" sz="1000" b="1" dirty="0" smtClean="0">
+                <a:solidFill>
+                  <a:srgbClr val="00B050"/>
+                </a:solidFill>
+                <a:latin typeface="Lucida Sans Unicode" pitchFamily="34" charset="0"/>
+                <a:cs typeface="Lucida Sans Unicode" pitchFamily="34" charset="0"/>
+              </a:rPr>
+              <a:t>+</a:t>
+            </a:r>
+            <a:r>
+              <a:rPr lang="en-US" sz="1000" dirty="0" smtClean="0">
+                <a:solidFill>
+                  <a:schemeClr val="bg1">
+                    <a:lumMod val="50000"/>
+                  </a:schemeClr>
+                </a:solidFill>
+                <a:latin typeface="Lucida Sans Unicode" pitchFamily="34" charset="0"/>
+                <a:cs typeface="Lucida Sans Unicode" pitchFamily="34" charset="0"/>
+              </a:rPr>
+              <a:t> Strict phasing;</a:t>
+            </a:r>
+          </a:p>
+          <a:p>
+            <a:r>
+              <a:rPr lang="en-US" sz="1000" b="1" dirty="0" smtClean="0">
+                <a:solidFill>
+                  <a:srgbClr val="00B050"/>
+                </a:solidFill>
+                <a:latin typeface="Lucida Sans Unicode" pitchFamily="34" charset="0"/>
+                <a:cs typeface="Lucida Sans Unicode" pitchFamily="34" charset="0"/>
+              </a:rPr>
+              <a:t>+</a:t>
+            </a:r>
+            <a:r>
+              <a:rPr lang="en-US" sz="1000" dirty="0" smtClean="0">
+                <a:solidFill>
+                  <a:schemeClr val="bg1">
+                    <a:lumMod val="50000"/>
+                  </a:schemeClr>
+                </a:solidFill>
+                <a:latin typeface="Lucida Sans Unicode" pitchFamily="34" charset="0"/>
+                <a:cs typeface="Lucida Sans Unicode" pitchFamily="34" charset="0"/>
+              </a:rPr>
+              <a:t> Planning of testing and verification of the system are carried out at the early stages;</a:t>
+            </a:r>
+          </a:p>
+          <a:p>
+            <a:r>
+              <a:rPr lang="en-US" sz="1000" b="1" dirty="0" smtClean="0">
+                <a:solidFill>
+                  <a:srgbClr val="00B050"/>
+                </a:solidFill>
+                <a:latin typeface="Lucida Sans Unicode" pitchFamily="34" charset="0"/>
+                <a:cs typeface="Lucida Sans Unicode" pitchFamily="34" charset="0"/>
+              </a:rPr>
+              <a:t>+</a:t>
+            </a:r>
+            <a:r>
+              <a:rPr lang="en-US" sz="1000" dirty="0" smtClean="0">
+                <a:solidFill>
+                  <a:schemeClr val="bg1">
+                    <a:lumMod val="50000"/>
+                  </a:schemeClr>
+                </a:solidFill>
+                <a:latin typeface="Lucida Sans Unicode" pitchFamily="34" charset="0"/>
+                <a:cs typeface="Lucida Sans Unicode" pitchFamily="34" charset="0"/>
+              </a:rPr>
+              <a:t> Improved, compared to the cascade model, time management;</a:t>
+            </a:r>
+          </a:p>
+          <a:p>
+            <a:r>
+              <a:rPr lang="en-US" sz="1000" b="1" dirty="0" smtClean="0">
+                <a:solidFill>
+                  <a:srgbClr val="00B050"/>
+                </a:solidFill>
+                <a:latin typeface="Lucida Sans Unicode" pitchFamily="34" charset="0"/>
+                <a:cs typeface="Lucida Sans Unicode" pitchFamily="34" charset="0"/>
+              </a:rPr>
+              <a:t>+</a:t>
+            </a:r>
+            <a:r>
+              <a:rPr lang="en-US" sz="1000" dirty="0" smtClean="0">
+                <a:solidFill>
+                  <a:schemeClr val="bg1">
+                    <a:lumMod val="50000"/>
+                  </a:schemeClr>
+                </a:solidFill>
+                <a:latin typeface="Lucida Sans Unicode" pitchFamily="34" charset="0"/>
+                <a:cs typeface="Lucida Sans Unicode" pitchFamily="34" charset="0"/>
+              </a:rPr>
+              <a:t> Intermediate testing.</a:t>
+            </a:r>
+          </a:p>
+          <a:p>
+            <a:endParaRPr lang="en-US" sz="1000" dirty="0" smtClean="0">
+              <a:solidFill>
+                <a:schemeClr val="bg1">
+                  <a:lumMod val="50000"/>
+                </a:schemeClr>
+              </a:solidFill>
+              <a:latin typeface="Lucida Sans Unicode" pitchFamily="34" charset="0"/>
+              <a:cs typeface="Lucida Sans Unicode" pitchFamily="34" charset="0"/>
+            </a:endParaRPr>
+          </a:p>
+          <a:p>
+            <a:r>
+              <a:rPr lang="en-US" sz="1000" b="1" dirty="0" smtClean="0">
+                <a:solidFill>
+                  <a:srgbClr val="FF0000"/>
+                </a:solidFill>
+                <a:latin typeface="Lucida Sans Unicode" pitchFamily="34" charset="0"/>
+                <a:cs typeface="Lucida Sans Unicode" pitchFamily="34" charset="0"/>
+              </a:rPr>
+              <a:t>-</a:t>
+            </a:r>
+            <a:r>
+              <a:rPr lang="en-US" sz="1000" dirty="0" smtClean="0">
+                <a:solidFill>
+                  <a:schemeClr val="bg1">
+                    <a:lumMod val="50000"/>
+                  </a:schemeClr>
+                </a:solidFill>
+                <a:latin typeface="Lucida Sans Unicode" pitchFamily="34" charset="0"/>
+                <a:cs typeface="Lucida Sans Unicode" pitchFamily="34" charset="0"/>
+              </a:rPr>
+              <a:t> Insufficient flexibility of the model;</a:t>
+            </a:r>
+          </a:p>
+          <a:p>
+            <a:r>
+              <a:rPr lang="en-US" sz="1000" b="1" dirty="0" smtClean="0">
+                <a:solidFill>
+                  <a:srgbClr val="FF0000"/>
+                </a:solidFill>
+                <a:latin typeface="Lucida Sans Unicode" pitchFamily="34" charset="0"/>
+                <a:cs typeface="Lucida Sans Unicode" pitchFamily="34" charset="0"/>
+              </a:rPr>
+              <a:t>-</a:t>
+            </a:r>
+            <a:r>
+              <a:rPr lang="en-US" sz="1000" dirty="0" smtClean="0">
+                <a:solidFill>
+                  <a:schemeClr val="bg1">
+                    <a:lumMod val="50000"/>
+                  </a:schemeClr>
+                </a:solidFill>
+                <a:latin typeface="Lucida Sans Unicode" pitchFamily="34" charset="0"/>
+                <a:cs typeface="Lucida Sans Unicode" pitchFamily="34" charset="0"/>
+              </a:rPr>
+              <a:t> The actual creation of the program occurs at the stage of writing the code, that is, already in the middle of the development process;</a:t>
+            </a:r>
+          </a:p>
+          <a:p>
+            <a:r>
+              <a:rPr lang="en-US" sz="1000" b="1" dirty="0" smtClean="0">
+                <a:solidFill>
+                  <a:srgbClr val="FF0000"/>
+                </a:solidFill>
+                <a:latin typeface="Lucida Sans Unicode" pitchFamily="34" charset="0"/>
+                <a:cs typeface="Lucida Sans Unicode" pitchFamily="34" charset="0"/>
+              </a:rPr>
+              <a:t>-</a:t>
+            </a:r>
+            <a:r>
+              <a:rPr lang="en-US" sz="1000" dirty="0" smtClean="0">
+                <a:solidFill>
+                  <a:schemeClr val="bg1">
+                    <a:lumMod val="50000"/>
+                  </a:schemeClr>
+                </a:solidFill>
+                <a:latin typeface="Lucida Sans Unicode" pitchFamily="34" charset="0"/>
+                <a:cs typeface="Lucida Sans Unicode" pitchFamily="34" charset="0"/>
+              </a:rPr>
+              <a:t> Insufficient risk analysis;</a:t>
+            </a:r>
+          </a:p>
+          <a:p>
+            <a:r>
+              <a:rPr lang="en-US" sz="1000" b="1" dirty="0" smtClean="0">
+                <a:solidFill>
+                  <a:srgbClr val="FF0000"/>
+                </a:solidFill>
+                <a:latin typeface="Lucida Sans Unicode" pitchFamily="34" charset="0"/>
+                <a:cs typeface="Lucida Sans Unicode" pitchFamily="34" charset="0"/>
+              </a:rPr>
+              <a:t>-</a:t>
+            </a:r>
+            <a:r>
+              <a:rPr lang="en-US" sz="1000" dirty="0" smtClean="0">
+                <a:solidFill>
+                  <a:schemeClr val="bg1">
+                    <a:lumMod val="50000"/>
+                  </a:schemeClr>
+                </a:solidFill>
+                <a:latin typeface="Lucida Sans Unicode" pitchFamily="34" charset="0"/>
+                <a:cs typeface="Lucida Sans Unicode" pitchFamily="34" charset="0"/>
+              </a:rPr>
+              <a:t> There is no work with parallel events and the possibility of dynamic changes.</a:t>
+            </a:r>
+            <a:endParaRPr lang="ru-RU" sz="1000" dirty="0">
+              <a:solidFill>
+                <a:schemeClr val="bg1">
+                  <a:lumMod val="50000"/>
+                </a:schemeClr>
+              </a:solidFill>
+              <a:latin typeface="Lucida Sans Unicode" pitchFamily="34" charset="0"/>
+              <a:cs typeface="Lucida Sans Unicode" pitchFamily="34" charset="0"/>
+            </a:endParaRPr>
+          </a:p>
+        </p:txBody>
+      </p:sp>
+      <p:sp>
+        <p:nvSpPr>
+          <p:cNvPr id="6" name="Прямоугольник 5"/>
+          <p:cNvSpPr/>
+          <p:nvPr/>
+        </p:nvSpPr>
+        <p:spPr>
+          <a:xfrm>
+            <a:off x="4071934" y="4500570"/>
+            <a:ext cx="4572000" cy="1292662"/>
+          </a:xfrm>
+          <a:prstGeom prst="rect">
+            <a:avLst/>
+          </a:prstGeom>
+        </p:spPr>
         <p:txBody>
           <a:bodyPr>
-            <a:normAutofit fontScale="62500" lnSpcReduction="20000"/>
+            <a:spAutoFit/>
           </a:bodyPr>
           <a:lstStyle/>
           <a:p>
             <a:r>
-              <a:rPr lang="en-US" dirty="0" smtClean="0"/>
-              <a:t>high cost of the model due to the cost and additional time spent on planning, setting goals, performing risk analysis and prototyping during the passage of each spiral cycle</a:t>
-            </a:r>
-            <a:r>
-              <a:rPr lang="en-US" dirty="0" smtClean="0"/>
-              <a:t>;</a:t>
-            </a:r>
-            <a:endParaRPr lang="en-US" dirty="0" smtClean="0"/>
-          </a:p>
-          <a:p>
-            <a:r>
-              <a:rPr lang="en-US" dirty="0" smtClean="0"/>
-              <a:t>unreasonably high cost model for projects with low risk or small size</a:t>
-            </a:r>
-            <a:r>
-              <a:rPr lang="en-US" dirty="0" smtClean="0"/>
-              <a:t>;</a:t>
-            </a:r>
-            <a:endParaRPr lang="en-US" dirty="0" smtClean="0"/>
-          </a:p>
-          <a:p>
-            <a:r>
-              <a:rPr lang="en-US" dirty="0" smtClean="0"/>
-              <a:t>the complexity of the model structure, which leads to the complexity of its use by developers, managers and customers</a:t>
-            </a:r>
-            <a:r>
-              <a:rPr lang="en-US" dirty="0" smtClean="0"/>
-              <a:t>;</a:t>
-            </a:r>
-            <a:endParaRPr lang="en-US" dirty="0" smtClean="0"/>
-          </a:p>
-          <a:p>
-            <a:r>
-              <a:rPr lang="en-US" dirty="0" smtClean="0"/>
-              <a:t>the need for highly professional knowledge for risk assessment</a:t>
-            </a:r>
-            <a:r>
-              <a:rPr lang="en-US" dirty="0" smtClean="0"/>
-              <a:t>;</a:t>
-            </a:r>
-            <a:endParaRPr lang="en-US" dirty="0" smtClean="0"/>
-          </a:p>
-          <a:p>
-            <a:r>
-              <a:rPr lang="en-US" dirty="0" smtClean="0"/>
-              <a:t>the possibility of postponing the completion of the project due to the desire of the customer to improve each version created</a:t>
-            </a:r>
-            <a:r>
-              <a:rPr lang="en-US" dirty="0" smtClean="0"/>
-              <a:t>;</a:t>
-            </a:r>
-            <a:endParaRPr lang="en-US" dirty="0" smtClean="0"/>
-          </a:p>
-          <a:p>
-            <a:r>
-              <a:rPr lang="en-US" dirty="0" smtClean="0"/>
-              <a:t>the need for processing additional documentation due to the large number of intermediate cycles</a:t>
-            </a:r>
-            <a:r>
-              <a:rPr lang="en-US" dirty="0" smtClean="0"/>
-              <a:t>;</a:t>
-            </a:r>
-            <a:endParaRPr lang="en-US" dirty="0" smtClean="0"/>
-          </a:p>
-          <a:p>
-            <a:r>
-              <a:rPr lang="en-US" dirty="0" smtClean="0"/>
-              <a:t>the need for a clear distribution of work among developers</a:t>
-            </a:r>
-            <a:r>
-              <a:rPr lang="en-US" dirty="0" smtClean="0"/>
-              <a:t>;</a:t>
-            </a:r>
-            <a:endParaRPr lang="en-US" dirty="0" smtClean="0"/>
-          </a:p>
-          <a:p>
-            <a:r>
-              <a:rPr lang="en-US" dirty="0" smtClean="0"/>
-              <a:t>the difficulty of defining criteria for continuing the development process at the next iteration</a:t>
-            </a:r>
-            <a:r>
-              <a:rPr lang="en-US" dirty="0" smtClean="0"/>
-              <a:t>;</a:t>
-            </a:r>
-            <a:endParaRPr lang="en-US" dirty="0" smtClean="0"/>
-          </a:p>
-          <a:p>
-            <a:r>
-              <a:rPr lang="en-US" dirty="0" smtClean="0"/>
-              <a:t>the need for powerful tools and prototyping techniques.</a:t>
-            </a:r>
-            <a:endParaRPr lang="ru-RU" dirty="0"/>
-          </a:p>
-        </p:txBody>
-      </p:sp>
+              <a:rPr lang="en-US" sz="2800" dirty="0" smtClean="0">
+                <a:solidFill>
+                  <a:srgbClr val="00B050"/>
+                </a:solidFill>
+                <a:latin typeface="Bahnschrift SemiLight Condensed" pitchFamily="34" charset="0"/>
+                <a:cs typeface="Lucida Sans Unicode" pitchFamily="34" charset="0"/>
+              </a:rPr>
+              <a:t>When to use V-model:</a:t>
+            </a:r>
+          </a:p>
+          <a:p>
+            <a:endParaRPr lang="en-US" sz="1000" dirty="0" smtClean="0">
+              <a:solidFill>
+                <a:schemeClr val="bg1">
+                  <a:lumMod val="50000"/>
+                </a:schemeClr>
+              </a:solidFill>
+              <a:latin typeface="Lucida Sans Unicode" pitchFamily="34" charset="0"/>
+              <a:cs typeface="Lucida Sans Unicode" pitchFamily="34" charset="0"/>
+            </a:endParaRPr>
+          </a:p>
+          <a:p>
+            <a:r>
+              <a:rPr lang="en-US" sz="1000" dirty="0" smtClean="0">
+                <a:solidFill>
+                  <a:schemeClr val="bg1">
+                    <a:lumMod val="50000"/>
+                  </a:schemeClr>
+                </a:solidFill>
+                <a:latin typeface="Lucida Sans Unicode" pitchFamily="34" charset="0"/>
+                <a:cs typeface="Lucida Sans Unicode" pitchFamily="34" charset="0"/>
+              </a:rPr>
+              <a:t>- In projects in which there are temporary and financial constraints;</a:t>
+            </a:r>
+          </a:p>
+          <a:p>
+            <a:endParaRPr lang="en-US" sz="1000" dirty="0" smtClean="0">
+              <a:solidFill>
+                <a:schemeClr val="bg1">
+                  <a:lumMod val="50000"/>
+                </a:schemeClr>
+              </a:solidFill>
+              <a:latin typeface="Lucida Sans Unicode" pitchFamily="34" charset="0"/>
+              <a:cs typeface="Lucida Sans Unicode" pitchFamily="34" charset="0"/>
+            </a:endParaRPr>
+          </a:p>
+          <a:p>
+            <a:r>
+              <a:rPr lang="en-US" sz="1000" dirty="0" smtClean="0">
+                <a:solidFill>
+                  <a:schemeClr val="bg1">
+                    <a:lumMod val="50000"/>
+                  </a:schemeClr>
+                </a:solidFill>
+                <a:latin typeface="Lucida Sans Unicode" pitchFamily="34" charset="0"/>
+                <a:cs typeface="Lucida Sans Unicode" pitchFamily="34" charset="0"/>
+              </a:rPr>
+              <a:t>- For tasks that involve a wider, compared to the cascade model, test coverage.</a:t>
+            </a:r>
+            <a:endParaRPr lang="ru-RU" sz="1000" dirty="0">
+              <a:solidFill>
+                <a:schemeClr val="bg1">
+                  <a:lumMod val="50000"/>
+                </a:schemeClr>
+              </a:solidFill>
+              <a:latin typeface="Lucida Sans Unicode" pitchFamily="34" charset="0"/>
+              <a:cs typeface="Lucida Sans Unicode" pitchFamily="34" charset="0"/>
+            </a:endParaRPr>
+          </a:p>
+        </p:txBody>
+      </p:sp>
+      <p:pic>
+        <p:nvPicPr>
+          <p:cNvPr id="8" name="Рисунок 7" descr="220px-Begin_CEST.svg.png"/>
+          <p:cNvPicPr>
+            <a:picLocks noChangeAspect="1"/>
+          </p:cNvPicPr>
+          <p:nvPr/>
+        </p:nvPicPr>
+        <p:blipFill>
+          <a:blip r:embed="rId3"/>
+          <a:stretch>
+            <a:fillRect/>
+          </a:stretch>
+        </p:blipFill>
+        <p:spPr>
+          <a:xfrm>
+            <a:off x="1071538" y="4071942"/>
+            <a:ext cx="2095500" cy="2095500"/>
+          </a:xfrm>
+          <a:prstGeom prst="rect">
+            <a:avLst/>
+          </a:prstGeom>
+        </p:spPr>
+      </p:pic>
+      <p:pic>
+        <p:nvPicPr>
+          <p:cNvPr id="9" name="Рисунок 8" descr="1.jpg"/>
+          <p:cNvPicPr>
+            <a:picLocks noChangeAspect="1"/>
+          </p:cNvPicPr>
+          <p:nvPr/>
+        </p:nvPicPr>
+        <p:blipFill>
+          <a:blip r:embed="rId4" cstate="print"/>
+          <a:stretch>
+            <a:fillRect/>
+          </a:stretch>
+        </p:blipFill>
+        <p:spPr>
+          <a:xfrm>
+            <a:off x="5643570" y="1928802"/>
+            <a:ext cx="3036374" cy="2024249"/>
+          </a:xfrm>
+          <a:prstGeom prst="rect">
+            <a:avLst/>
+          </a:prstGeom>
+          <a:ln>
+            <a:noFill/>
+          </a:ln>
+          <a:effectLst>
+            <a:softEdge rad="112500"/>
+          </a:effectLst>
+        </p:spPr>
+      </p:pic>
     </p:spTree>
   </p:cSld>
   <p:clrMapOvr>
